--- a/Presentation/MCQ's.pptx
+++ b/Presentation/MCQ's.pptx
@@ -11,6 +11,15 @@
     <p:sldId id="258" r:id="rId5"/>
     <p:sldId id="259" r:id="rId6"/>
     <p:sldId id="260" r:id="rId7"/>
+    <p:sldId id="262" r:id="rId8"/>
+    <p:sldId id="263" r:id="rId9"/>
+    <p:sldId id="264" r:id="rId10"/>
+    <p:sldId id="265" r:id="rId11"/>
+    <p:sldId id="266" r:id="rId12"/>
+    <p:sldId id="267" r:id="rId13"/>
+    <p:sldId id="268" r:id="rId14"/>
+    <p:sldId id="269" r:id="rId15"/>
+    <p:sldId id="270" r:id="rId16"/>
   </p:sldIdLst>
   <p:sldSz cx="12192000" cy="6858000"/>
   <p:notesSz cx="6858000" cy="9144000"/>
@@ -109,6 +118,11 @@
       </a:defRPr>
     </a:lvl9pPr>
   </p:defaultTextStyle>
+  <p:extLst>
+    <p:ext uri="{EFAFB233-063F-42B5-8137-9DF3F51BA10A}">
+      <p15:sldGuideLst xmlns:p15="http://schemas.microsoft.com/office/powerpoint/2012/main"/>
+    </p:ext>
+  </p:extLst>
 </p:presentation>
 </file>
 
@@ -259,7 +273,7 @@
           <a:p>
             <a:fld id="{5D18DF3F-D54E-484E-889A-2AD7F8C273A7}" type="datetimeFigureOut">
               <a:rPr lang="en-US" smtClean="0"/>
-              <a:t>5/16/2024</a:t>
+              <a:t>5/17/2024</a:t>
             </a:fld>
             <a:endParaRPr lang="en-US"/>
           </a:p>
@@ -457,7 +471,7 @@
           <a:p>
             <a:fld id="{5D18DF3F-D54E-484E-889A-2AD7F8C273A7}" type="datetimeFigureOut">
               <a:rPr lang="en-US" smtClean="0"/>
-              <a:t>5/16/2024</a:t>
+              <a:t>5/17/2024</a:t>
             </a:fld>
             <a:endParaRPr lang="en-US"/>
           </a:p>
@@ -665,7 +679,7 @@
           <a:p>
             <a:fld id="{5D18DF3F-D54E-484E-889A-2AD7F8C273A7}" type="datetimeFigureOut">
               <a:rPr lang="en-US" smtClean="0"/>
-              <a:t>5/16/2024</a:t>
+              <a:t>5/17/2024</a:t>
             </a:fld>
             <a:endParaRPr lang="en-US"/>
           </a:p>
@@ -863,7 +877,7 @@
           <a:p>
             <a:fld id="{5D18DF3F-D54E-484E-889A-2AD7F8C273A7}" type="datetimeFigureOut">
               <a:rPr lang="en-US" smtClean="0"/>
-              <a:t>5/16/2024</a:t>
+              <a:t>5/17/2024</a:t>
             </a:fld>
             <a:endParaRPr lang="en-US"/>
           </a:p>
@@ -1138,7 +1152,7 @@
           <a:p>
             <a:fld id="{5D18DF3F-D54E-484E-889A-2AD7F8C273A7}" type="datetimeFigureOut">
               <a:rPr lang="en-US" smtClean="0"/>
-              <a:t>5/16/2024</a:t>
+              <a:t>5/17/2024</a:t>
             </a:fld>
             <a:endParaRPr lang="en-US"/>
           </a:p>
@@ -1403,7 +1417,7 @@
           <a:p>
             <a:fld id="{5D18DF3F-D54E-484E-889A-2AD7F8C273A7}" type="datetimeFigureOut">
               <a:rPr lang="en-US" smtClean="0"/>
-              <a:t>5/16/2024</a:t>
+              <a:t>5/17/2024</a:t>
             </a:fld>
             <a:endParaRPr lang="en-US"/>
           </a:p>
@@ -1815,7 +1829,7 @@
           <a:p>
             <a:fld id="{5D18DF3F-D54E-484E-889A-2AD7F8C273A7}" type="datetimeFigureOut">
               <a:rPr lang="en-US" smtClean="0"/>
-              <a:t>5/16/2024</a:t>
+              <a:t>5/17/2024</a:t>
             </a:fld>
             <a:endParaRPr lang="en-US"/>
           </a:p>
@@ -1956,7 +1970,7 @@
           <a:p>
             <a:fld id="{5D18DF3F-D54E-484E-889A-2AD7F8C273A7}" type="datetimeFigureOut">
               <a:rPr lang="en-US" smtClean="0"/>
-              <a:t>5/16/2024</a:t>
+              <a:t>5/17/2024</a:t>
             </a:fld>
             <a:endParaRPr lang="en-US"/>
           </a:p>
@@ -2069,7 +2083,7 @@
           <a:p>
             <a:fld id="{5D18DF3F-D54E-484E-889A-2AD7F8C273A7}" type="datetimeFigureOut">
               <a:rPr lang="en-US" smtClean="0"/>
-              <a:t>5/16/2024</a:t>
+              <a:t>5/17/2024</a:t>
             </a:fld>
             <a:endParaRPr lang="en-US"/>
           </a:p>
@@ -2380,7 +2394,7 @@
           <a:p>
             <a:fld id="{5D18DF3F-D54E-484E-889A-2AD7F8C273A7}" type="datetimeFigureOut">
               <a:rPr lang="en-US" smtClean="0"/>
-              <a:t>5/16/2024</a:t>
+              <a:t>5/17/2024</a:t>
             </a:fld>
             <a:endParaRPr lang="en-US"/>
           </a:p>
@@ -2668,7 +2682,7 @@
           <a:p>
             <a:fld id="{5D18DF3F-D54E-484E-889A-2AD7F8C273A7}" type="datetimeFigureOut">
               <a:rPr lang="en-US" smtClean="0"/>
-              <a:t>5/16/2024</a:t>
+              <a:t>5/17/2024</a:t>
             </a:fld>
             <a:endParaRPr lang="en-US"/>
           </a:p>
@@ -2909,7 +2923,7 @@
           <a:p>
             <a:fld id="{5D18DF3F-D54E-484E-889A-2AD7F8C273A7}" type="datetimeFigureOut">
               <a:rPr lang="en-US" smtClean="0"/>
-              <a:t>5/16/2024</a:t>
+              <a:t>5/17/2024</a:t>
             </a:fld>
             <a:endParaRPr lang="en-US"/>
           </a:p>
@@ -3396,6 +3410,729 @@
 </p:sld>
 </file>
 
+<file path=ppt/slides/slide10.xml><?xml version="1.0" encoding="utf-8"?>
+<p:sld xmlns:a="http://schemas.openxmlformats.org/drawingml/2006/main" xmlns:r="http://schemas.openxmlformats.org/officeDocument/2006/relationships" xmlns:p="http://schemas.openxmlformats.org/presentationml/2006/main">
+  <p:cSld>
+    <p:spTree>
+      <p:nvGrpSpPr>
+        <p:cNvPr id="1" name=""/>
+        <p:cNvGrpSpPr/>
+        <p:nvPr/>
+      </p:nvGrpSpPr>
+      <p:grpSpPr>
+        <a:xfrm>
+          <a:off x="0" y="0"/>
+          <a:ext cx="0" cy="0"/>
+          <a:chOff x="0" y="0"/>
+          <a:chExt cx="0" cy="0"/>
+        </a:xfrm>
+      </p:grpSpPr>
+      <p:sp>
+        <p:nvSpPr>
+          <p:cNvPr id="2" name="Title 1">
+            <a:extLst>
+              <a:ext uri="{FF2B5EF4-FFF2-40B4-BE49-F238E27FC236}">
+                <a16:creationId xmlns:a16="http://schemas.microsoft.com/office/drawing/2014/main" id="{397B02AC-944D-8028-23DA-6C7EE9680E4B}"/>
+              </a:ext>
+            </a:extLst>
+          </p:cNvPr>
+          <p:cNvSpPr>
+            <a:spLocks noGrp="1"/>
+          </p:cNvSpPr>
+          <p:nvPr>
+            <p:ph type="title"/>
+          </p:nvPr>
+        </p:nvSpPr>
+        <p:spPr/>
+        <p:txBody>
+          <a:bodyPr/>
+          <a:lstStyle/>
+          <a:p>
+            <a:r>
+              <a:rPr lang="en-US" dirty="0"/>
+              <a:t>What is the primary purpose of the </a:t>
+            </a:r>
+            <a:r>
+              <a:rPr lang="en-US" dirty="0" err="1"/>
+              <a:t>useRef</a:t>
+            </a:r>
+            <a:r>
+              <a:rPr lang="en-US" dirty="0"/>
+              <a:t> hook in React?</a:t>
+            </a:r>
+          </a:p>
+        </p:txBody>
+      </p:sp>
+      <p:sp>
+        <p:nvSpPr>
+          <p:cNvPr id="3" name="Content Placeholder 2">
+            <a:extLst>
+              <a:ext uri="{FF2B5EF4-FFF2-40B4-BE49-F238E27FC236}">
+                <a16:creationId xmlns:a16="http://schemas.microsoft.com/office/drawing/2014/main" id="{2D05E6D8-FF9B-FCA9-D594-A0F7B51D5919}"/>
+              </a:ext>
+            </a:extLst>
+          </p:cNvPr>
+          <p:cNvSpPr>
+            <a:spLocks noGrp="1"/>
+          </p:cNvSpPr>
+          <p:nvPr>
+            <p:ph idx="1"/>
+          </p:nvPr>
+        </p:nvSpPr>
+        <p:spPr/>
+        <p:txBody>
+          <a:bodyPr/>
+          <a:lstStyle/>
+          <a:p>
+            <a:r>
+              <a:rPr lang="en-US" dirty="0"/>
+              <a:t>A. To manage state in functional components</a:t>
+            </a:r>
+          </a:p>
+          <a:p>
+            <a:r>
+              <a:rPr lang="en-US" dirty="0"/>
+              <a:t>B. To handle side effects in functional components</a:t>
+            </a:r>
+          </a:p>
+          <a:p>
+            <a:r>
+              <a:rPr lang="en-US" dirty="0"/>
+              <a:t>C. To create a mutable reference that persists across renders</a:t>
+            </a:r>
+          </a:p>
+          <a:p>
+            <a:r>
+              <a:rPr lang="en-US" dirty="0"/>
+              <a:t>D. To pass data from parent to child components</a:t>
+            </a:r>
+          </a:p>
+        </p:txBody>
+      </p:sp>
+    </p:spTree>
+    <p:extLst>
+      <p:ext uri="{BB962C8B-B14F-4D97-AF65-F5344CB8AC3E}">
+        <p14:creationId xmlns:p14="http://schemas.microsoft.com/office/powerpoint/2010/main" val="842248568"/>
+      </p:ext>
+    </p:extLst>
+  </p:cSld>
+  <p:clrMapOvr>
+    <a:masterClrMapping/>
+  </p:clrMapOvr>
+</p:sld>
+</file>
+
+<file path=ppt/slides/slide11.xml><?xml version="1.0" encoding="utf-8"?>
+<p:sld xmlns:a="http://schemas.openxmlformats.org/drawingml/2006/main" xmlns:r="http://schemas.openxmlformats.org/officeDocument/2006/relationships" xmlns:p="http://schemas.openxmlformats.org/presentationml/2006/main">
+  <p:cSld>
+    <p:spTree>
+      <p:nvGrpSpPr>
+        <p:cNvPr id="1" name=""/>
+        <p:cNvGrpSpPr/>
+        <p:nvPr/>
+      </p:nvGrpSpPr>
+      <p:grpSpPr>
+        <a:xfrm>
+          <a:off x="0" y="0"/>
+          <a:ext cx="0" cy="0"/>
+          <a:chOff x="0" y="0"/>
+          <a:chExt cx="0" cy="0"/>
+        </a:xfrm>
+      </p:grpSpPr>
+      <p:sp>
+        <p:nvSpPr>
+          <p:cNvPr id="2" name="Title 1">
+            <a:extLst>
+              <a:ext uri="{FF2B5EF4-FFF2-40B4-BE49-F238E27FC236}">
+                <a16:creationId xmlns:a16="http://schemas.microsoft.com/office/drawing/2014/main" id="{1E452C22-0210-EC11-E342-F173B76071E6}"/>
+              </a:ext>
+            </a:extLst>
+          </p:cNvPr>
+          <p:cNvSpPr>
+            <a:spLocks noGrp="1"/>
+          </p:cNvSpPr>
+          <p:nvPr>
+            <p:ph type="title"/>
+          </p:nvPr>
+        </p:nvSpPr>
+        <p:spPr/>
+        <p:txBody>
+          <a:bodyPr/>
+          <a:lstStyle/>
+          <a:p>
+            <a:r>
+              <a:rPr lang="en-US" dirty="0"/>
+              <a:t>How can </a:t>
+            </a:r>
+            <a:r>
+              <a:rPr lang="en-US" dirty="0" err="1"/>
+              <a:t>useRef</a:t>
+            </a:r>
+            <a:r>
+              <a:rPr lang="en-US" dirty="0"/>
+              <a:t> be used in relation to DOM elements?</a:t>
+            </a:r>
+          </a:p>
+        </p:txBody>
+      </p:sp>
+      <p:sp>
+        <p:nvSpPr>
+          <p:cNvPr id="3" name="Content Placeholder 2">
+            <a:extLst>
+              <a:ext uri="{FF2B5EF4-FFF2-40B4-BE49-F238E27FC236}">
+                <a16:creationId xmlns:a16="http://schemas.microsoft.com/office/drawing/2014/main" id="{791A3B7B-5501-0855-52B6-8B138B15D9E0}"/>
+              </a:ext>
+            </a:extLst>
+          </p:cNvPr>
+          <p:cNvSpPr>
+            <a:spLocks noGrp="1"/>
+          </p:cNvSpPr>
+          <p:nvPr>
+            <p:ph idx="1"/>
+          </p:nvPr>
+        </p:nvSpPr>
+        <p:spPr/>
+        <p:txBody>
+          <a:bodyPr/>
+          <a:lstStyle/>
+          <a:p>
+            <a:r>
+              <a:rPr lang="en-US" dirty="0"/>
+              <a:t>A. To directly manipulate the state of a component</a:t>
+            </a:r>
+          </a:p>
+          <a:p>
+            <a:r>
+              <a:rPr lang="en-US" dirty="0"/>
+              <a:t>B. To keep track of previous state values</a:t>
+            </a:r>
+          </a:p>
+          <a:p>
+            <a:r>
+              <a:rPr lang="en-US" dirty="0"/>
+              <a:t>C. To store a reference to a DOM element for direct manipulation</a:t>
+            </a:r>
+          </a:p>
+          <a:p>
+            <a:r>
+              <a:rPr lang="en-US" dirty="0"/>
+              <a:t>D. To manage side effects</a:t>
+            </a:r>
+          </a:p>
+          <a:p>
+            <a:endParaRPr lang="en-US" dirty="0"/>
+          </a:p>
+        </p:txBody>
+      </p:sp>
+    </p:spTree>
+    <p:extLst>
+      <p:ext uri="{BB962C8B-B14F-4D97-AF65-F5344CB8AC3E}">
+        <p14:creationId xmlns:p14="http://schemas.microsoft.com/office/powerpoint/2010/main" val="4172200708"/>
+      </p:ext>
+    </p:extLst>
+  </p:cSld>
+  <p:clrMapOvr>
+    <a:masterClrMapping/>
+  </p:clrMapOvr>
+</p:sld>
+</file>
+
+<file path=ppt/slides/slide12.xml><?xml version="1.0" encoding="utf-8"?>
+<p:sld xmlns:a="http://schemas.openxmlformats.org/drawingml/2006/main" xmlns:r="http://schemas.openxmlformats.org/officeDocument/2006/relationships" xmlns:p="http://schemas.openxmlformats.org/presentationml/2006/main">
+  <p:cSld>
+    <p:spTree>
+      <p:nvGrpSpPr>
+        <p:cNvPr id="1" name=""/>
+        <p:cNvGrpSpPr/>
+        <p:nvPr/>
+      </p:nvGrpSpPr>
+      <p:grpSpPr>
+        <a:xfrm>
+          <a:off x="0" y="0"/>
+          <a:ext cx="0" cy="0"/>
+          <a:chOff x="0" y="0"/>
+          <a:chExt cx="0" cy="0"/>
+        </a:xfrm>
+      </p:grpSpPr>
+      <p:sp>
+        <p:nvSpPr>
+          <p:cNvPr id="2" name="Title 1">
+            <a:extLst>
+              <a:ext uri="{FF2B5EF4-FFF2-40B4-BE49-F238E27FC236}">
+                <a16:creationId xmlns:a16="http://schemas.microsoft.com/office/drawing/2014/main" id="{62E0351D-8634-32F3-6A97-6ADD7434E6F8}"/>
+              </a:ext>
+            </a:extLst>
+          </p:cNvPr>
+          <p:cNvSpPr>
+            <a:spLocks noGrp="1"/>
+          </p:cNvSpPr>
+          <p:nvPr>
+            <p:ph type="title"/>
+          </p:nvPr>
+        </p:nvSpPr>
+        <p:spPr/>
+        <p:txBody>
+          <a:bodyPr/>
+          <a:lstStyle/>
+          <a:p>
+            <a:r>
+              <a:rPr lang="en-US" dirty="0"/>
+              <a:t>Which of the following is true about the value returned by </a:t>
+            </a:r>
+            <a:r>
+              <a:rPr lang="en-US" dirty="0" err="1"/>
+              <a:t>useRef</a:t>
+            </a:r>
+            <a:r>
+              <a:rPr lang="en-US" dirty="0"/>
+              <a:t>?</a:t>
+            </a:r>
+          </a:p>
+        </p:txBody>
+      </p:sp>
+      <p:sp>
+        <p:nvSpPr>
+          <p:cNvPr id="3" name="Content Placeholder 2">
+            <a:extLst>
+              <a:ext uri="{FF2B5EF4-FFF2-40B4-BE49-F238E27FC236}">
+                <a16:creationId xmlns:a16="http://schemas.microsoft.com/office/drawing/2014/main" id="{F7C90C15-07B4-9D8F-851E-BE890BE5DF58}"/>
+              </a:ext>
+            </a:extLst>
+          </p:cNvPr>
+          <p:cNvSpPr>
+            <a:spLocks noGrp="1"/>
+          </p:cNvSpPr>
+          <p:nvPr>
+            <p:ph idx="1"/>
+          </p:nvPr>
+        </p:nvSpPr>
+        <p:spPr/>
+        <p:txBody>
+          <a:bodyPr/>
+          <a:lstStyle/>
+          <a:p>
+            <a:r>
+              <a:rPr lang="en-US" dirty="0"/>
+              <a:t>A. It is updated after every render</a:t>
+            </a:r>
+          </a:p>
+          <a:p>
+            <a:r>
+              <a:rPr lang="en-US" dirty="0"/>
+              <a:t>B. It is reinitialized after every render</a:t>
+            </a:r>
+          </a:p>
+          <a:p>
+            <a:r>
+              <a:rPr lang="en-US" dirty="0"/>
+              <a:t>C. It is a mutable object that does not cause re-renders when updated</a:t>
+            </a:r>
+          </a:p>
+          <a:p>
+            <a:r>
+              <a:rPr lang="en-US" dirty="0"/>
+              <a:t>D. It is a constant value that cannot be changed</a:t>
+            </a:r>
+          </a:p>
+          <a:p>
+            <a:endParaRPr lang="en-US" dirty="0"/>
+          </a:p>
+        </p:txBody>
+      </p:sp>
+    </p:spTree>
+    <p:extLst>
+      <p:ext uri="{BB962C8B-B14F-4D97-AF65-F5344CB8AC3E}">
+        <p14:creationId xmlns:p14="http://schemas.microsoft.com/office/powerpoint/2010/main" val="4092969140"/>
+      </p:ext>
+    </p:extLst>
+  </p:cSld>
+  <p:clrMapOvr>
+    <a:masterClrMapping/>
+  </p:clrMapOvr>
+</p:sld>
+</file>
+
+<file path=ppt/slides/slide13.xml><?xml version="1.0" encoding="utf-8"?>
+<p:sld xmlns:a="http://schemas.openxmlformats.org/drawingml/2006/main" xmlns:r="http://schemas.openxmlformats.org/officeDocument/2006/relationships" xmlns:p="http://schemas.openxmlformats.org/presentationml/2006/main">
+  <p:cSld>
+    <p:spTree>
+      <p:nvGrpSpPr>
+        <p:cNvPr id="1" name=""/>
+        <p:cNvGrpSpPr/>
+        <p:nvPr/>
+      </p:nvGrpSpPr>
+      <p:grpSpPr>
+        <a:xfrm>
+          <a:off x="0" y="0"/>
+          <a:ext cx="0" cy="0"/>
+          <a:chOff x="0" y="0"/>
+          <a:chExt cx="0" cy="0"/>
+        </a:xfrm>
+      </p:grpSpPr>
+      <p:sp>
+        <p:nvSpPr>
+          <p:cNvPr id="2" name="Title 1">
+            <a:extLst>
+              <a:ext uri="{FF2B5EF4-FFF2-40B4-BE49-F238E27FC236}">
+                <a16:creationId xmlns:a16="http://schemas.microsoft.com/office/drawing/2014/main" id="{51B59C2C-2ECA-0BCE-7709-F07071C1AF42}"/>
+              </a:ext>
+            </a:extLst>
+          </p:cNvPr>
+          <p:cNvSpPr>
+            <a:spLocks noGrp="1"/>
+          </p:cNvSpPr>
+          <p:nvPr>
+            <p:ph type="title"/>
+          </p:nvPr>
+        </p:nvSpPr>
+        <p:spPr/>
+        <p:txBody>
+          <a:bodyPr>
+            <a:normAutofit fontScale="90000"/>
+          </a:bodyPr>
+          <a:lstStyle/>
+          <a:p>
+            <a:r>
+              <a:rPr lang="en-US" dirty="0"/>
+              <a:t>Which hook would you use to persist a value across renders without causing a re-render when the value changes?</a:t>
+            </a:r>
+          </a:p>
+        </p:txBody>
+      </p:sp>
+      <p:sp>
+        <p:nvSpPr>
+          <p:cNvPr id="3" name="Content Placeholder 2">
+            <a:extLst>
+              <a:ext uri="{FF2B5EF4-FFF2-40B4-BE49-F238E27FC236}">
+                <a16:creationId xmlns:a16="http://schemas.microsoft.com/office/drawing/2014/main" id="{B2E726E7-4B12-FC05-AD9D-213345921A33}"/>
+              </a:ext>
+            </a:extLst>
+          </p:cNvPr>
+          <p:cNvSpPr>
+            <a:spLocks noGrp="1"/>
+          </p:cNvSpPr>
+          <p:nvPr>
+            <p:ph idx="1"/>
+          </p:nvPr>
+        </p:nvSpPr>
+        <p:spPr/>
+        <p:txBody>
+          <a:bodyPr/>
+          <a:lstStyle/>
+          <a:p>
+            <a:r>
+              <a:rPr lang="en-US" dirty="0"/>
+              <a:t>A. </a:t>
+            </a:r>
+            <a:r>
+              <a:rPr lang="en-US" dirty="0" err="1"/>
+              <a:t>useState</a:t>
+            </a:r>
+            <a:endParaRPr lang="en-US" dirty="0"/>
+          </a:p>
+          <a:p>
+            <a:r>
+              <a:rPr lang="en-US" dirty="0"/>
+              <a:t>B. </a:t>
+            </a:r>
+            <a:r>
+              <a:rPr lang="en-US" dirty="0" err="1"/>
+              <a:t>useEffect</a:t>
+            </a:r>
+            <a:endParaRPr lang="en-US" dirty="0"/>
+          </a:p>
+          <a:p>
+            <a:r>
+              <a:rPr lang="en-US" dirty="0"/>
+              <a:t>C. </a:t>
+            </a:r>
+            <a:r>
+              <a:rPr lang="en-US" dirty="0" err="1"/>
+              <a:t>useRef</a:t>
+            </a:r>
+            <a:endParaRPr lang="en-US" dirty="0"/>
+          </a:p>
+          <a:p>
+            <a:r>
+              <a:rPr lang="en-US" dirty="0"/>
+              <a:t>D. </a:t>
+            </a:r>
+            <a:r>
+              <a:rPr lang="en-US" dirty="0" err="1"/>
+              <a:t>useMemo</a:t>
+            </a:r>
+            <a:endParaRPr lang="en-US" dirty="0"/>
+          </a:p>
+        </p:txBody>
+      </p:sp>
+    </p:spTree>
+    <p:extLst>
+      <p:ext uri="{BB962C8B-B14F-4D97-AF65-F5344CB8AC3E}">
+        <p14:creationId xmlns:p14="http://schemas.microsoft.com/office/powerpoint/2010/main" val="113628053"/>
+      </p:ext>
+    </p:extLst>
+  </p:cSld>
+  <p:clrMapOvr>
+    <a:masterClrMapping/>
+  </p:clrMapOvr>
+</p:sld>
+</file>
+
+<file path=ppt/slides/slide14.xml><?xml version="1.0" encoding="utf-8"?>
+<p:sld xmlns:a="http://schemas.openxmlformats.org/drawingml/2006/main" xmlns:r="http://schemas.openxmlformats.org/officeDocument/2006/relationships" xmlns:p="http://schemas.openxmlformats.org/presentationml/2006/main">
+  <p:cSld>
+    <p:spTree>
+      <p:nvGrpSpPr>
+        <p:cNvPr id="1" name=""/>
+        <p:cNvGrpSpPr/>
+        <p:nvPr/>
+      </p:nvGrpSpPr>
+      <p:grpSpPr>
+        <a:xfrm>
+          <a:off x="0" y="0"/>
+          <a:ext cx="0" cy="0"/>
+          <a:chOff x="0" y="0"/>
+          <a:chExt cx="0" cy="0"/>
+        </a:xfrm>
+      </p:grpSpPr>
+      <p:sp>
+        <p:nvSpPr>
+          <p:cNvPr id="2" name="Title 1">
+            <a:extLst>
+              <a:ext uri="{FF2B5EF4-FFF2-40B4-BE49-F238E27FC236}">
+                <a16:creationId xmlns:a16="http://schemas.microsoft.com/office/drawing/2014/main" id="{38CC7B94-5F3B-DC7B-8279-94F8824B35D6}"/>
+              </a:ext>
+            </a:extLst>
+          </p:cNvPr>
+          <p:cNvSpPr>
+            <a:spLocks noGrp="1"/>
+          </p:cNvSpPr>
+          <p:nvPr>
+            <p:ph type="title"/>
+          </p:nvPr>
+        </p:nvSpPr>
+        <p:spPr/>
+        <p:txBody>
+          <a:bodyPr/>
+          <a:lstStyle/>
+          <a:p>
+            <a:r>
+              <a:rPr lang="en-US" dirty="0"/>
+              <a:t>Which hook is best suited for performing data fetching in a functional component?</a:t>
+            </a:r>
+          </a:p>
+        </p:txBody>
+      </p:sp>
+      <p:sp>
+        <p:nvSpPr>
+          <p:cNvPr id="3" name="Content Placeholder 2">
+            <a:extLst>
+              <a:ext uri="{FF2B5EF4-FFF2-40B4-BE49-F238E27FC236}">
+                <a16:creationId xmlns:a16="http://schemas.microsoft.com/office/drawing/2014/main" id="{49EC6B6B-3D71-AD4E-CAB0-0C64DFC19000}"/>
+              </a:ext>
+            </a:extLst>
+          </p:cNvPr>
+          <p:cNvSpPr>
+            <a:spLocks noGrp="1"/>
+          </p:cNvSpPr>
+          <p:nvPr>
+            <p:ph idx="1"/>
+          </p:nvPr>
+        </p:nvSpPr>
+        <p:spPr/>
+        <p:txBody>
+          <a:bodyPr/>
+          <a:lstStyle/>
+          <a:p>
+            <a:r>
+              <a:rPr lang="en-US" dirty="0"/>
+              <a:t>A. </a:t>
+            </a:r>
+            <a:r>
+              <a:rPr lang="en-US" dirty="0" err="1"/>
+              <a:t>useState</a:t>
+            </a:r>
+            <a:endParaRPr lang="en-US" dirty="0"/>
+          </a:p>
+          <a:p>
+            <a:r>
+              <a:rPr lang="en-US" dirty="0"/>
+              <a:t>B. </a:t>
+            </a:r>
+            <a:r>
+              <a:rPr lang="en-US" dirty="0" err="1"/>
+              <a:t>useEffect</a:t>
+            </a:r>
+            <a:endParaRPr lang="en-US" dirty="0"/>
+          </a:p>
+          <a:p>
+            <a:r>
+              <a:rPr lang="en-US" dirty="0"/>
+              <a:t>C. </a:t>
+            </a:r>
+            <a:r>
+              <a:rPr lang="en-US" dirty="0" err="1"/>
+              <a:t>useRef</a:t>
+            </a:r>
+            <a:endParaRPr lang="en-US" dirty="0"/>
+          </a:p>
+          <a:p>
+            <a:r>
+              <a:rPr lang="en-US" dirty="0"/>
+              <a:t>D. </a:t>
+            </a:r>
+            <a:r>
+              <a:rPr lang="en-US" dirty="0" err="1"/>
+              <a:t>useReducer</a:t>
+            </a:r>
+            <a:endParaRPr lang="en-US" dirty="0"/>
+          </a:p>
+          <a:p>
+            <a:endParaRPr lang="en-US" dirty="0"/>
+          </a:p>
+        </p:txBody>
+      </p:sp>
+    </p:spTree>
+    <p:extLst>
+      <p:ext uri="{BB962C8B-B14F-4D97-AF65-F5344CB8AC3E}">
+        <p14:creationId xmlns:p14="http://schemas.microsoft.com/office/powerpoint/2010/main" val="1160462544"/>
+      </p:ext>
+    </p:extLst>
+  </p:cSld>
+  <p:clrMapOvr>
+    <a:masterClrMapping/>
+  </p:clrMapOvr>
+</p:sld>
+</file>
+
+<file path=ppt/slides/slide15.xml><?xml version="1.0" encoding="utf-8"?>
+<p:sld xmlns:a="http://schemas.openxmlformats.org/drawingml/2006/main" xmlns:r="http://schemas.openxmlformats.org/officeDocument/2006/relationships" xmlns:p="http://schemas.openxmlformats.org/presentationml/2006/main">
+  <p:cSld>
+    <p:spTree>
+      <p:nvGrpSpPr>
+        <p:cNvPr id="1" name=""/>
+        <p:cNvGrpSpPr/>
+        <p:nvPr/>
+      </p:nvGrpSpPr>
+      <p:grpSpPr>
+        <a:xfrm>
+          <a:off x="0" y="0"/>
+          <a:ext cx="0" cy="0"/>
+          <a:chOff x="0" y="0"/>
+          <a:chExt cx="0" cy="0"/>
+        </a:xfrm>
+      </p:grpSpPr>
+      <p:sp>
+        <p:nvSpPr>
+          <p:cNvPr id="2" name="Title 1">
+            <a:extLst>
+              <a:ext uri="{FF2B5EF4-FFF2-40B4-BE49-F238E27FC236}">
+                <a16:creationId xmlns:a16="http://schemas.microsoft.com/office/drawing/2014/main" id="{4896B2BC-C8EC-8DFB-8737-D080796C0836}"/>
+              </a:ext>
+            </a:extLst>
+          </p:cNvPr>
+          <p:cNvSpPr>
+            <a:spLocks noGrp="1"/>
+          </p:cNvSpPr>
+          <p:nvPr>
+            <p:ph type="title"/>
+          </p:nvPr>
+        </p:nvSpPr>
+        <p:spPr/>
+        <p:txBody>
+          <a:bodyPr/>
+          <a:lstStyle/>
+          <a:p>
+            <a:r>
+              <a:rPr lang="en-US" dirty="0"/>
+              <a:t>What is the purpose of </a:t>
+            </a:r>
+            <a:r>
+              <a:rPr lang="en-US"/>
+              <a:t>the “</a:t>
+            </a:r>
+            <a:r>
+              <a:rPr lang="en-US" b="1" i="1"/>
+              <a:t>then”</a:t>
+            </a:r>
+            <a:r>
+              <a:rPr lang="en-US"/>
+              <a:t> </a:t>
+            </a:r>
+            <a:r>
+              <a:rPr lang="en-US" dirty="0"/>
+              <a:t>method when making an API call with </a:t>
+            </a:r>
+            <a:r>
+              <a:rPr lang="en-US" dirty="0" err="1"/>
+              <a:t>Axios</a:t>
+            </a:r>
+            <a:r>
+              <a:rPr lang="en-US" dirty="0"/>
+              <a:t>?</a:t>
+            </a:r>
+          </a:p>
+        </p:txBody>
+      </p:sp>
+      <p:sp>
+        <p:nvSpPr>
+          <p:cNvPr id="3" name="Content Placeholder 2">
+            <a:extLst>
+              <a:ext uri="{FF2B5EF4-FFF2-40B4-BE49-F238E27FC236}">
+                <a16:creationId xmlns:a16="http://schemas.microsoft.com/office/drawing/2014/main" id="{BDFF3786-C092-1228-3B30-1FACA655A62B}"/>
+              </a:ext>
+            </a:extLst>
+          </p:cNvPr>
+          <p:cNvSpPr>
+            <a:spLocks noGrp="1"/>
+          </p:cNvSpPr>
+          <p:nvPr>
+            <p:ph idx="1"/>
+          </p:nvPr>
+        </p:nvSpPr>
+        <p:spPr/>
+        <p:txBody>
+          <a:bodyPr/>
+          <a:lstStyle/>
+          <a:p>
+            <a:r>
+              <a:rPr lang="en-US" dirty="0"/>
+              <a:t>A. To handle errors in the API call</a:t>
+            </a:r>
+          </a:p>
+          <a:p>
+            <a:r>
+              <a:rPr lang="en-US" dirty="0"/>
+              <a:t>B. To handle the response from the API call</a:t>
+            </a:r>
+          </a:p>
+          <a:p>
+            <a:r>
+              <a:rPr lang="en-US" dirty="0"/>
+              <a:t>C. To configure the API endpoint</a:t>
+            </a:r>
+          </a:p>
+          <a:p>
+            <a:r>
+              <a:rPr lang="en-US" dirty="0"/>
+              <a:t>D. To set headers for the API call</a:t>
+            </a:r>
+          </a:p>
+        </p:txBody>
+      </p:sp>
+    </p:spTree>
+    <p:extLst>
+      <p:ext uri="{BB962C8B-B14F-4D97-AF65-F5344CB8AC3E}">
+        <p14:creationId xmlns:p14="http://schemas.microsoft.com/office/powerpoint/2010/main" val="1669919032"/>
+      </p:ext>
+    </p:extLst>
+  </p:cSld>
+  <p:clrMapOvr>
+    <a:masterClrMapping/>
+  </p:clrMapOvr>
+</p:sld>
+</file>
+
 <file path=ppt/slides/slide2.xml><?xml version="1.0" encoding="utf-8"?>
 <p:sld xmlns:a="http://schemas.openxmlformats.org/drawingml/2006/main" xmlns:r="http://schemas.openxmlformats.org/officeDocument/2006/relationships" xmlns:p="http://schemas.openxmlformats.org/presentationml/2006/main">
   <p:cSld>
@@ -4075,7 +4812,10 @@
           <a:bodyPr/>
           <a:lstStyle/>
           <a:p>
-            <a:endParaRPr lang="en-US"/>
+            <a:r>
+              <a:rPr lang="en-US" dirty="0"/>
+              <a:t>Which hook is used to manage state in a React functional component?</a:t>
+            </a:r>
           </a:p>
         </p:txBody>
       </p:sp>
@@ -4100,7 +4840,48 @@
           <a:bodyPr/>
           <a:lstStyle/>
           <a:p>
-            <a:endParaRPr lang="en-US"/>
+            <a:r>
+              <a:rPr lang="en-US" dirty="0"/>
+              <a:t>A. </a:t>
+            </a:r>
+            <a:r>
+              <a:rPr lang="en-US" dirty="0" err="1"/>
+              <a:t>useEffect</a:t>
+            </a:r>
+            <a:endParaRPr lang="en-US" dirty="0"/>
+          </a:p>
+          <a:p>
+            <a:r>
+              <a:rPr lang="en-US" dirty="0"/>
+              <a:t>B. </a:t>
+            </a:r>
+            <a:r>
+              <a:rPr lang="en-US" dirty="0" err="1"/>
+              <a:t>useState</a:t>
+            </a:r>
+            <a:endParaRPr lang="en-US" dirty="0"/>
+          </a:p>
+          <a:p>
+            <a:r>
+              <a:rPr lang="en-US" dirty="0"/>
+              <a:t>C. </a:t>
+            </a:r>
+            <a:r>
+              <a:rPr lang="en-US" dirty="0" err="1"/>
+              <a:t>useContext</a:t>
+            </a:r>
+            <a:endParaRPr lang="en-US" dirty="0"/>
+          </a:p>
+          <a:p>
+            <a:r>
+              <a:rPr lang="en-US" dirty="0"/>
+              <a:t>D. </a:t>
+            </a:r>
+            <a:r>
+              <a:rPr lang="en-US" dirty="0" err="1"/>
+              <a:t>useReducer</a:t>
+            </a:r>
+            <a:endParaRPr lang="en-US" dirty="0"/>
           </a:p>
         </p:txBody>
       </p:sp>
@@ -4108,6 +4889,348 @@
     <p:extLst>
       <p:ext uri="{BB962C8B-B14F-4D97-AF65-F5344CB8AC3E}">
         <p14:creationId xmlns:p14="http://schemas.microsoft.com/office/powerpoint/2010/main" val="3464233619"/>
+      </p:ext>
+    </p:extLst>
+  </p:cSld>
+  <p:clrMapOvr>
+    <a:masterClrMapping/>
+  </p:clrMapOvr>
+</p:sld>
+</file>
+
+<file path=ppt/slides/slide7.xml><?xml version="1.0" encoding="utf-8"?>
+<p:sld xmlns:a="http://schemas.openxmlformats.org/drawingml/2006/main" xmlns:r="http://schemas.openxmlformats.org/officeDocument/2006/relationships" xmlns:p="http://schemas.openxmlformats.org/presentationml/2006/main">
+  <p:cSld>
+    <p:spTree>
+      <p:nvGrpSpPr>
+        <p:cNvPr id="1" name=""/>
+        <p:cNvGrpSpPr/>
+        <p:nvPr/>
+      </p:nvGrpSpPr>
+      <p:grpSpPr>
+        <a:xfrm>
+          <a:off x="0" y="0"/>
+          <a:ext cx="0" cy="0"/>
+          <a:chOff x="0" y="0"/>
+          <a:chExt cx="0" cy="0"/>
+        </a:xfrm>
+      </p:grpSpPr>
+      <p:sp>
+        <p:nvSpPr>
+          <p:cNvPr id="2" name="Title 1">
+            <a:extLst>
+              <a:ext uri="{FF2B5EF4-FFF2-40B4-BE49-F238E27FC236}">
+                <a16:creationId xmlns:a16="http://schemas.microsoft.com/office/drawing/2014/main" id="{55C1AC24-AE89-CD4A-490A-A26CE1E90D7C}"/>
+              </a:ext>
+            </a:extLst>
+          </p:cNvPr>
+          <p:cNvSpPr>
+            <a:spLocks noGrp="1"/>
+          </p:cNvSpPr>
+          <p:nvPr>
+            <p:ph type="title"/>
+          </p:nvPr>
+        </p:nvSpPr>
+        <p:spPr/>
+        <p:txBody>
+          <a:bodyPr/>
+          <a:lstStyle/>
+          <a:p>
+            <a:r>
+              <a:rPr lang="en-US" dirty="0"/>
+              <a:t>What does the </a:t>
+            </a:r>
+            <a:r>
+              <a:rPr lang="en-US" dirty="0" err="1"/>
+              <a:t>useState</a:t>
+            </a:r>
+            <a:r>
+              <a:rPr lang="en-US" dirty="0"/>
+              <a:t> hook return?</a:t>
+            </a:r>
+          </a:p>
+        </p:txBody>
+      </p:sp>
+      <p:sp>
+        <p:nvSpPr>
+          <p:cNvPr id="3" name="Content Placeholder 2">
+            <a:extLst>
+              <a:ext uri="{FF2B5EF4-FFF2-40B4-BE49-F238E27FC236}">
+                <a16:creationId xmlns:a16="http://schemas.microsoft.com/office/drawing/2014/main" id="{DD40BE20-F612-EE4B-C8C2-B95DA89E9233}"/>
+              </a:ext>
+            </a:extLst>
+          </p:cNvPr>
+          <p:cNvSpPr>
+            <a:spLocks noGrp="1"/>
+          </p:cNvSpPr>
+          <p:nvPr>
+            <p:ph idx="1"/>
+          </p:nvPr>
+        </p:nvSpPr>
+        <p:spPr/>
+        <p:txBody>
+          <a:bodyPr/>
+          <a:lstStyle/>
+          <a:p>
+            <a:r>
+              <a:rPr lang="en-US" dirty="0"/>
+              <a:t>A. A state value and a function to update it</a:t>
+            </a:r>
+          </a:p>
+          <a:p>
+            <a:r>
+              <a:rPr lang="en-US" dirty="0"/>
+              <a:t>B. A state value and a function to reset it</a:t>
+            </a:r>
+          </a:p>
+          <a:p>
+            <a:r>
+              <a:rPr lang="en-US" dirty="0"/>
+              <a:t>C. A state value and a reference to the previous state</a:t>
+            </a:r>
+          </a:p>
+          <a:p>
+            <a:r>
+              <a:rPr lang="en-US" dirty="0"/>
+              <a:t>D. A state value and a function to render it</a:t>
+            </a:r>
+          </a:p>
+        </p:txBody>
+      </p:sp>
+    </p:spTree>
+    <p:extLst>
+      <p:ext uri="{BB962C8B-B14F-4D97-AF65-F5344CB8AC3E}">
+        <p14:creationId xmlns:p14="http://schemas.microsoft.com/office/powerpoint/2010/main" val="2381740075"/>
+      </p:ext>
+    </p:extLst>
+  </p:cSld>
+  <p:clrMapOvr>
+    <a:masterClrMapping/>
+  </p:clrMapOvr>
+</p:sld>
+</file>
+
+<file path=ppt/slides/slide8.xml><?xml version="1.0" encoding="utf-8"?>
+<p:sld xmlns:a="http://schemas.openxmlformats.org/drawingml/2006/main" xmlns:r="http://schemas.openxmlformats.org/officeDocument/2006/relationships" xmlns:p="http://schemas.openxmlformats.org/presentationml/2006/main">
+  <p:cSld>
+    <p:spTree>
+      <p:nvGrpSpPr>
+        <p:cNvPr id="1" name=""/>
+        <p:cNvGrpSpPr/>
+        <p:nvPr/>
+      </p:nvGrpSpPr>
+      <p:grpSpPr>
+        <a:xfrm>
+          <a:off x="0" y="0"/>
+          <a:ext cx="0" cy="0"/>
+          <a:chOff x="0" y="0"/>
+          <a:chExt cx="0" cy="0"/>
+        </a:xfrm>
+      </p:grpSpPr>
+      <p:sp>
+        <p:nvSpPr>
+          <p:cNvPr id="2" name="Title 1">
+            <a:extLst>
+              <a:ext uri="{FF2B5EF4-FFF2-40B4-BE49-F238E27FC236}">
+                <a16:creationId xmlns:a16="http://schemas.microsoft.com/office/drawing/2014/main" id="{8C078554-C3F6-D826-3695-42ACBBCF2D21}"/>
+              </a:ext>
+            </a:extLst>
+          </p:cNvPr>
+          <p:cNvSpPr>
+            <a:spLocks noGrp="1"/>
+          </p:cNvSpPr>
+          <p:nvPr>
+            <p:ph type="title"/>
+          </p:nvPr>
+        </p:nvSpPr>
+        <p:spPr/>
+        <p:txBody>
+          <a:bodyPr/>
+          <a:lstStyle/>
+          <a:p>
+            <a:r>
+              <a:rPr lang="en-US" dirty="0"/>
+              <a:t>What is the primary purpose of the </a:t>
+            </a:r>
+            <a:r>
+              <a:rPr lang="en-US" dirty="0" err="1"/>
+              <a:t>useEffect</a:t>
+            </a:r>
+            <a:r>
+              <a:rPr lang="en-US" dirty="0"/>
+              <a:t> hook in React?</a:t>
+            </a:r>
+          </a:p>
+        </p:txBody>
+      </p:sp>
+      <p:sp>
+        <p:nvSpPr>
+          <p:cNvPr id="3" name="Content Placeholder 2">
+            <a:extLst>
+              <a:ext uri="{FF2B5EF4-FFF2-40B4-BE49-F238E27FC236}">
+                <a16:creationId xmlns:a16="http://schemas.microsoft.com/office/drawing/2014/main" id="{7B6BD7C6-93F8-7328-3E59-B265315D9E84}"/>
+              </a:ext>
+            </a:extLst>
+          </p:cNvPr>
+          <p:cNvSpPr>
+            <a:spLocks noGrp="1"/>
+          </p:cNvSpPr>
+          <p:nvPr>
+            <p:ph idx="1"/>
+          </p:nvPr>
+        </p:nvSpPr>
+        <p:spPr/>
+        <p:txBody>
+          <a:bodyPr/>
+          <a:lstStyle/>
+          <a:p>
+            <a:r>
+              <a:rPr lang="en-US" dirty="0"/>
+              <a:t>A. To manage state in functional components</a:t>
+            </a:r>
+          </a:p>
+          <a:p>
+            <a:r>
+              <a:rPr lang="en-US" dirty="0"/>
+              <a:t>B. To handle side effects in functional components</a:t>
+            </a:r>
+          </a:p>
+          <a:p>
+            <a:r>
+              <a:rPr lang="en-US" dirty="0"/>
+              <a:t>C. To reference DOM elements directly</a:t>
+            </a:r>
+          </a:p>
+          <a:p>
+            <a:r>
+              <a:rPr lang="en-US" dirty="0"/>
+              <a:t>D. To create context in functional components</a:t>
+            </a:r>
+          </a:p>
+          <a:p>
+            <a:endParaRPr lang="en-US" dirty="0"/>
+          </a:p>
+        </p:txBody>
+      </p:sp>
+    </p:spTree>
+    <p:extLst>
+      <p:ext uri="{BB962C8B-B14F-4D97-AF65-F5344CB8AC3E}">
+        <p14:creationId xmlns:p14="http://schemas.microsoft.com/office/powerpoint/2010/main" val="2064514248"/>
+      </p:ext>
+    </p:extLst>
+  </p:cSld>
+  <p:clrMapOvr>
+    <a:masterClrMapping/>
+  </p:clrMapOvr>
+</p:sld>
+</file>
+
+<file path=ppt/slides/slide9.xml><?xml version="1.0" encoding="utf-8"?>
+<p:sld xmlns:a="http://schemas.openxmlformats.org/drawingml/2006/main" xmlns:r="http://schemas.openxmlformats.org/officeDocument/2006/relationships" xmlns:p="http://schemas.openxmlformats.org/presentationml/2006/main">
+  <p:cSld>
+    <p:spTree>
+      <p:nvGrpSpPr>
+        <p:cNvPr id="1" name=""/>
+        <p:cNvGrpSpPr/>
+        <p:nvPr/>
+      </p:nvGrpSpPr>
+      <p:grpSpPr>
+        <a:xfrm>
+          <a:off x="0" y="0"/>
+          <a:ext cx="0" cy="0"/>
+          <a:chOff x="0" y="0"/>
+          <a:chExt cx="0" cy="0"/>
+        </a:xfrm>
+      </p:grpSpPr>
+      <p:sp>
+        <p:nvSpPr>
+          <p:cNvPr id="2" name="Title 1">
+            <a:extLst>
+              <a:ext uri="{FF2B5EF4-FFF2-40B4-BE49-F238E27FC236}">
+                <a16:creationId xmlns:a16="http://schemas.microsoft.com/office/drawing/2014/main" id="{C8B202CF-A274-ACD4-7700-7B9A0BD278D8}"/>
+              </a:ext>
+            </a:extLst>
+          </p:cNvPr>
+          <p:cNvSpPr>
+            <a:spLocks noGrp="1"/>
+          </p:cNvSpPr>
+          <p:nvPr>
+            <p:ph type="title"/>
+          </p:nvPr>
+        </p:nvSpPr>
+        <p:spPr/>
+        <p:txBody>
+          <a:bodyPr/>
+          <a:lstStyle/>
+          <a:p>
+            <a:r>
+              <a:rPr lang="en-US" dirty="0"/>
+              <a:t>When does the </a:t>
+            </a:r>
+            <a:r>
+              <a:rPr lang="en-US" dirty="0" err="1"/>
+              <a:t>useEffect</a:t>
+            </a:r>
+            <a:r>
+              <a:rPr lang="en-US" dirty="0"/>
+              <a:t> hook run if an empty dependency array is passed?</a:t>
+            </a:r>
+          </a:p>
+        </p:txBody>
+      </p:sp>
+      <p:sp>
+        <p:nvSpPr>
+          <p:cNvPr id="3" name="Content Placeholder 2">
+            <a:extLst>
+              <a:ext uri="{FF2B5EF4-FFF2-40B4-BE49-F238E27FC236}">
+                <a16:creationId xmlns:a16="http://schemas.microsoft.com/office/drawing/2014/main" id="{A851EA8D-0274-A652-48D0-E5F5049C987E}"/>
+              </a:ext>
+            </a:extLst>
+          </p:cNvPr>
+          <p:cNvSpPr>
+            <a:spLocks noGrp="1"/>
+          </p:cNvSpPr>
+          <p:nvPr>
+            <p:ph idx="1"/>
+          </p:nvPr>
+        </p:nvSpPr>
+        <p:spPr/>
+        <p:txBody>
+          <a:bodyPr/>
+          <a:lstStyle/>
+          <a:p>
+            <a:r>
+              <a:rPr lang="en-US" dirty="0"/>
+              <a:t>A. On every render</a:t>
+            </a:r>
+          </a:p>
+          <a:p>
+            <a:r>
+              <a:rPr lang="en-US" dirty="0"/>
+              <a:t>B. Only once after the initial render</a:t>
+            </a:r>
+          </a:p>
+          <a:p>
+            <a:r>
+              <a:rPr lang="en-US" dirty="0"/>
+              <a:t>C. Only when the component unmounts</a:t>
+            </a:r>
+          </a:p>
+          <a:p>
+            <a:r>
+              <a:rPr lang="en-US" dirty="0"/>
+              <a:t>D. On every render and when the component unmounts</a:t>
+            </a:r>
+          </a:p>
+          <a:p>
+            <a:endParaRPr lang="en-US" dirty="0"/>
+          </a:p>
+        </p:txBody>
+      </p:sp>
+    </p:spTree>
+    <p:extLst>
+      <p:ext uri="{BB962C8B-B14F-4D97-AF65-F5344CB8AC3E}">
+        <p14:creationId xmlns:p14="http://schemas.microsoft.com/office/powerpoint/2010/main" val="936524250"/>
       </p:ext>
     </p:extLst>
   </p:cSld>

--- a/Presentation/MCQ's.pptx
+++ b/Presentation/MCQ's.pptx
@@ -20,6 +20,21 @@
     <p:sldId id="268" r:id="rId14"/>
     <p:sldId id="269" r:id="rId15"/>
     <p:sldId id="270" r:id="rId16"/>
+    <p:sldId id="272" r:id="rId17"/>
+    <p:sldId id="283" r:id="rId18"/>
+    <p:sldId id="284" r:id="rId19"/>
+    <p:sldId id="285" r:id="rId20"/>
+    <p:sldId id="273" r:id="rId21"/>
+    <p:sldId id="271" r:id="rId22"/>
+    <p:sldId id="275" r:id="rId23"/>
+    <p:sldId id="276" r:id="rId24"/>
+    <p:sldId id="277" r:id="rId25"/>
+    <p:sldId id="278" r:id="rId26"/>
+    <p:sldId id="279" r:id="rId27"/>
+    <p:sldId id="280" r:id="rId28"/>
+    <p:sldId id="281" r:id="rId29"/>
+    <p:sldId id="282" r:id="rId30"/>
+    <p:sldId id="274" r:id="rId31"/>
   </p:sldIdLst>
   <p:sldSz cx="12192000" cy="6858000"/>
   <p:notesSz cx="6858000" cy="9144000"/>
@@ -273,7 +288,7 @@
           <a:p>
             <a:fld id="{5D18DF3F-D54E-484E-889A-2AD7F8C273A7}" type="datetimeFigureOut">
               <a:rPr lang="en-US" smtClean="0"/>
-              <a:t>5/17/2024</a:t>
+              <a:t>5/19/2024</a:t>
             </a:fld>
             <a:endParaRPr lang="en-US"/>
           </a:p>
@@ -471,7 +486,7 @@
           <a:p>
             <a:fld id="{5D18DF3F-D54E-484E-889A-2AD7F8C273A7}" type="datetimeFigureOut">
               <a:rPr lang="en-US" smtClean="0"/>
-              <a:t>5/17/2024</a:t>
+              <a:t>5/19/2024</a:t>
             </a:fld>
             <a:endParaRPr lang="en-US"/>
           </a:p>
@@ -679,7 +694,7 @@
           <a:p>
             <a:fld id="{5D18DF3F-D54E-484E-889A-2AD7F8C273A7}" type="datetimeFigureOut">
               <a:rPr lang="en-US" smtClean="0"/>
-              <a:t>5/17/2024</a:t>
+              <a:t>5/19/2024</a:t>
             </a:fld>
             <a:endParaRPr lang="en-US"/>
           </a:p>
@@ -877,7 +892,7 @@
           <a:p>
             <a:fld id="{5D18DF3F-D54E-484E-889A-2AD7F8C273A7}" type="datetimeFigureOut">
               <a:rPr lang="en-US" smtClean="0"/>
-              <a:t>5/17/2024</a:t>
+              <a:t>5/19/2024</a:t>
             </a:fld>
             <a:endParaRPr lang="en-US"/>
           </a:p>
@@ -1152,7 +1167,7 @@
           <a:p>
             <a:fld id="{5D18DF3F-D54E-484E-889A-2AD7F8C273A7}" type="datetimeFigureOut">
               <a:rPr lang="en-US" smtClean="0"/>
-              <a:t>5/17/2024</a:t>
+              <a:t>5/19/2024</a:t>
             </a:fld>
             <a:endParaRPr lang="en-US"/>
           </a:p>
@@ -1417,7 +1432,7 @@
           <a:p>
             <a:fld id="{5D18DF3F-D54E-484E-889A-2AD7F8C273A7}" type="datetimeFigureOut">
               <a:rPr lang="en-US" smtClean="0"/>
-              <a:t>5/17/2024</a:t>
+              <a:t>5/19/2024</a:t>
             </a:fld>
             <a:endParaRPr lang="en-US"/>
           </a:p>
@@ -1829,7 +1844,7 @@
           <a:p>
             <a:fld id="{5D18DF3F-D54E-484E-889A-2AD7F8C273A7}" type="datetimeFigureOut">
               <a:rPr lang="en-US" smtClean="0"/>
-              <a:t>5/17/2024</a:t>
+              <a:t>5/19/2024</a:t>
             </a:fld>
             <a:endParaRPr lang="en-US"/>
           </a:p>
@@ -1970,7 +1985,7 @@
           <a:p>
             <a:fld id="{5D18DF3F-D54E-484E-889A-2AD7F8C273A7}" type="datetimeFigureOut">
               <a:rPr lang="en-US" smtClean="0"/>
-              <a:t>5/17/2024</a:t>
+              <a:t>5/19/2024</a:t>
             </a:fld>
             <a:endParaRPr lang="en-US"/>
           </a:p>
@@ -2083,7 +2098,7 @@
           <a:p>
             <a:fld id="{5D18DF3F-D54E-484E-889A-2AD7F8C273A7}" type="datetimeFigureOut">
               <a:rPr lang="en-US" smtClean="0"/>
-              <a:t>5/17/2024</a:t>
+              <a:t>5/19/2024</a:t>
             </a:fld>
             <a:endParaRPr lang="en-US"/>
           </a:p>
@@ -2394,7 +2409,7 @@
           <a:p>
             <a:fld id="{5D18DF3F-D54E-484E-889A-2AD7F8C273A7}" type="datetimeFigureOut">
               <a:rPr lang="en-US" smtClean="0"/>
-              <a:t>5/17/2024</a:t>
+              <a:t>5/19/2024</a:t>
             </a:fld>
             <a:endParaRPr lang="en-US"/>
           </a:p>
@@ -2682,7 +2697,7 @@
           <a:p>
             <a:fld id="{5D18DF3F-D54E-484E-889A-2AD7F8C273A7}" type="datetimeFigureOut">
               <a:rPr lang="en-US" smtClean="0"/>
-              <a:t>5/17/2024</a:t>
+              <a:t>5/19/2024</a:t>
             </a:fld>
             <a:endParaRPr lang="en-US"/>
           </a:p>
@@ -2923,7 +2938,7 @@
           <a:p>
             <a:fld id="{5D18DF3F-D54E-484E-889A-2AD7F8C273A7}" type="datetimeFigureOut">
               <a:rPr lang="en-US" smtClean="0"/>
-              <a:t>5/17/2024</a:t>
+              <a:t>5/19/2024</a:t>
             </a:fld>
             <a:endParaRPr lang="en-US"/>
           </a:p>
@@ -4133,6 +4148,486 @@
 </p:sld>
 </file>
 
+<file path=ppt/slides/slide16.xml><?xml version="1.0" encoding="utf-8"?>
+<p:sld xmlns:a="http://schemas.openxmlformats.org/drawingml/2006/main" xmlns:r="http://schemas.openxmlformats.org/officeDocument/2006/relationships" xmlns:p="http://schemas.openxmlformats.org/presentationml/2006/main">
+  <p:cSld>
+    <p:spTree>
+      <p:nvGrpSpPr>
+        <p:cNvPr id="1" name=""/>
+        <p:cNvGrpSpPr/>
+        <p:nvPr/>
+      </p:nvGrpSpPr>
+      <p:grpSpPr>
+        <a:xfrm>
+          <a:off x="0" y="0"/>
+          <a:ext cx="0" cy="0"/>
+          <a:chOff x="0" y="0"/>
+          <a:chExt cx="0" cy="0"/>
+        </a:xfrm>
+      </p:grpSpPr>
+      <p:sp>
+        <p:nvSpPr>
+          <p:cNvPr id="2" name="Title 1">
+            <a:extLst>
+              <a:ext uri="{FF2B5EF4-FFF2-40B4-BE49-F238E27FC236}">
+                <a16:creationId xmlns:a16="http://schemas.microsoft.com/office/drawing/2014/main" id="{D0CFEF32-E888-3B24-596A-17577A0A54B7}"/>
+              </a:ext>
+            </a:extLst>
+          </p:cNvPr>
+          <p:cNvSpPr>
+            <a:spLocks noGrp="1"/>
+          </p:cNvSpPr>
+          <p:nvPr>
+            <p:ph type="title"/>
+          </p:nvPr>
+        </p:nvSpPr>
+        <p:spPr/>
+        <p:txBody>
+          <a:bodyPr/>
+          <a:lstStyle/>
+          <a:p>
+            <a:r>
+              <a:rPr lang="en-US" dirty="0"/>
+              <a:t>In React, the recommended approach for handling form data is</a:t>
+            </a:r>
+          </a:p>
+        </p:txBody>
+      </p:sp>
+      <p:sp>
+        <p:nvSpPr>
+          <p:cNvPr id="3" name="Content Placeholder 2">
+            <a:extLst>
+              <a:ext uri="{FF2B5EF4-FFF2-40B4-BE49-F238E27FC236}">
+                <a16:creationId xmlns:a16="http://schemas.microsoft.com/office/drawing/2014/main" id="{84F43DB8-B2E6-C87D-4E3C-97CDC250B781}"/>
+              </a:ext>
+            </a:extLst>
+          </p:cNvPr>
+          <p:cNvSpPr>
+            <a:spLocks noGrp="1"/>
+          </p:cNvSpPr>
+          <p:nvPr>
+            <p:ph idx="1"/>
+          </p:nvPr>
+        </p:nvSpPr>
+        <p:spPr/>
+        <p:txBody>
+          <a:bodyPr/>
+          <a:lstStyle/>
+          <a:p>
+            <a:pPr marL="514350" indent="-514350">
+              <a:buFont typeface="+mj-lt"/>
+              <a:buAutoNum type="arabicPeriod"/>
+            </a:pPr>
+            <a:r>
+              <a:rPr lang="en-US" dirty="0"/>
+              <a:t>native element technique</a:t>
+            </a:r>
+          </a:p>
+          <a:p>
+            <a:pPr marL="514350" indent="-514350">
+              <a:buFont typeface="+mj-lt"/>
+              <a:buAutoNum type="arabicPeriod"/>
+            </a:pPr>
+            <a:r>
+              <a:rPr lang="en-US" dirty="0"/>
+              <a:t>controlled component technique</a:t>
+            </a:r>
+          </a:p>
+          <a:p>
+            <a:pPr marL="514350" indent="-514350">
+              <a:buFont typeface="+mj-lt"/>
+              <a:buAutoNum type="arabicPeriod"/>
+            </a:pPr>
+            <a:r>
+              <a:rPr lang="en-US" dirty="0"/>
+              <a:t>using refs</a:t>
+            </a:r>
+          </a:p>
+          <a:p>
+            <a:pPr marL="514350" indent="-514350">
+              <a:buFont typeface="+mj-lt"/>
+              <a:buAutoNum type="arabicPeriod"/>
+            </a:pPr>
+            <a:r>
+              <a:rPr lang="en-US" dirty="0"/>
+              <a:t>none of the above</a:t>
+            </a:r>
+          </a:p>
+        </p:txBody>
+      </p:sp>
+    </p:spTree>
+    <p:extLst>
+      <p:ext uri="{BB962C8B-B14F-4D97-AF65-F5344CB8AC3E}">
+        <p14:creationId xmlns:p14="http://schemas.microsoft.com/office/powerpoint/2010/main" val="2127086708"/>
+      </p:ext>
+    </p:extLst>
+  </p:cSld>
+  <p:clrMapOvr>
+    <a:masterClrMapping/>
+  </p:clrMapOvr>
+</p:sld>
+</file>
+
+<file path=ppt/slides/slide17.xml><?xml version="1.0" encoding="utf-8"?>
+<p:sld xmlns:a="http://schemas.openxmlformats.org/drawingml/2006/main" xmlns:r="http://schemas.openxmlformats.org/officeDocument/2006/relationships" xmlns:p="http://schemas.openxmlformats.org/presentationml/2006/main">
+  <p:cSld>
+    <p:spTree>
+      <p:nvGrpSpPr>
+        <p:cNvPr id="1" name=""/>
+        <p:cNvGrpSpPr/>
+        <p:nvPr/>
+      </p:nvGrpSpPr>
+      <p:grpSpPr>
+        <a:xfrm>
+          <a:off x="0" y="0"/>
+          <a:ext cx="0" cy="0"/>
+          <a:chOff x="0" y="0"/>
+          <a:chExt cx="0" cy="0"/>
+        </a:xfrm>
+      </p:grpSpPr>
+      <p:sp>
+        <p:nvSpPr>
+          <p:cNvPr id="2" name="Title 1">
+            <a:extLst>
+              <a:ext uri="{FF2B5EF4-FFF2-40B4-BE49-F238E27FC236}">
+                <a16:creationId xmlns:a16="http://schemas.microsoft.com/office/drawing/2014/main" id="{B8338648-DEA6-B52E-8EE7-BE0B9702648A}"/>
+              </a:ext>
+            </a:extLst>
+          </p:cNvPr>
+          <p:cNvSpPr>
+            <a:spLocks noGrp="1"/>
+          </p:cNvSpPr>
+          <p:nvPr>
+            <p:ph type="title"/>
+          </p:nvPr>
+        </p:nvSpPr>
+        <p:spPr/>
+        <p:txBody>
+          <a:bodyPr/>
+          <a:lstStyle/>
+          <a:p>
+            <a:r>
+              <a:rPr lang="en-US" dirty="0"/>
+              <a:t>What is the primary purpose of Redux in a React application?</a:t>
+            </a:r>
+          </a:p>
+        </p:txBody>
+      </p:sp>
+      <p:sp>
+        <p:nvSpPr>
+          <p:cNvPr id="3" name="Content Placeholder 2">
+            <a:extLst>
+              <a:ext uri="{FF2B5EF4-FFF2-40B4-BE49-F238E27FC236}">
+                <a16:creationId xmlns:a16="http://schemas.microsoft.com/office/drawing/2014/main" id="{AD49D391-1569-D9F2-281C-5BC99224219B}"/>
+              </a:ext>
+            </a:extLst>
+          </p:cNvPr>
+          <p:cNvSpPr>
+            <a:spLocks noGrp="1"/>
+          </p:cNvSpPr>
+          <p:nvPr>
+            <p:ph idx="1"/>
+          </p:nvPr>
+        </p:nvSpPr>
+        <p:spPr/>
+        <p:txBody>
+          <a:bodyPr/>
+          <a:lstStyle/>
+          <a:p>
+            <a:pPr marL="514350" indent="-514350">
+              <a:buFont typeface="+mj-lt"/>
+              <a:buAutoNum type="arabicPeriod"/>
+            </a:pPr>
+            <a:r>
+              <a:rPr lang="en-US" dirty="0"/>
+              <a:t>Managing component state locally</a:t>
+            </a:r>
+          </a:p>
+          <a:p>
+            <a:pPr marL="514350" indent="-514350">
+              <a:buFont typeface="+mj-lt"/>
+              <a:buAutoNum type="arabicPeriod"/>
+            </a:pPr>
+            <a:r>
+              <a:rPr lang="en-US" dirty="0"/>
+              <a:t>Providing a central store for application state</a:t>
+            </a:r>
+          </a:p>
+          <a:p>
+            <a:pPr marL="514350" indent="-514350">
+              <a:buFont typeface="+mj-lt"/>
+              <a:buAutoNum type="arabicPeriod"/>
+            </a:pPr>
+            <a:r>
+              <a:rPr lang="en-US" dirty="0"/>
+              <a:t>Handling API requests</a:t>
+            </a:r>
+          </a:p>
+          <a:p>
+            <a:pPr marL="514350" indent="-514350">
+              <a:buFont typeface="+mj-lt"/>
+              <a:buAutoNum type="arabicPeriod"/>
+            </a:pPr>
+            <a:r>
+              <a:rPr lang="en-US" dirty="0"/>
+              <a:t>Managing styles and themes</a:t>
+            </a:r>
+          </a:p>
+        </p:txBody>
+      </p:sp>
+    </p:spTree>
+    <p:extLst>
+      <p:ext uri="{BB962C8B-B14F-4D97-AF65-F5344CB8AC3E}">
+        <p14:creationId xmlns:p14="http://schemas.microsoft.com/office/powerpoint/2010/main" val="1187269896"/>
+      </p:ext>
+    </p:extLst>
+  </p:cSld>
+  <p:clrMapOvr>
+    <a:masterClrMapping/>
+  </p:clrMapOvr>
+</p:sld>
+</file>
+
+<file path=ppt/slides/slide18.xml><?xml version="1.0" encoding="utf-8"?>
+<p:sld xmlns:a="http://schemas.openxmlformats.org/drawingml/2006/main" xmlns:r="http://schemas.openxmlformats.org/officeDocument/2006/relationships" xmlns:p="http://schemas.openxmlformats.org/presentationml/2006/main">
+  <p:cSld>
+    <p:spTree>
+      <p:nvGrpSpPr>
+        <p:cNvPr id="1" name=""/>
+        <p:cNvGrpSpPr/>
+        <p:nvPr/>
+      </p:nvGrpSpPr>
+      <p:grpSpPr>
+        <a:xfrm>
+          <a:off x="0" y="0"/>
+          <a:ext cx="0" cy="0"/>
+          <a:chOff x="0" y="0"/>
+          <a:chExt cx="0" cy="0"/>
+        </a:xfrm>
+      </p:grpSpPr>
+      <p:sp>
+        <p:nvSpPr>
+          <p:cNvPr id="2" name="Title 1">
+            <a:extLst>
+              <a:ext uri="{FF2B5EF4-FFF2-40B4-BE49-F238E27FC236}">
+                <a16:creationId xmlns:a16="http://schemas.microsoft.com/office/drawing/2014/main" id="{DC894D84-36DD-1C9C-11C8-CEC1DB854943}"/>
+              </a:ext>
+            </a:extLst>
+          </p:cNvPr>
+          <p:cNvSpPr>
+            <a:spLocks noGrp="1"/>
+          </p:cNvSpPr>
+          <p:nvPr>
+            <p:ph type="title"/>
+          </p:nvPr>
+        </p:nvSpPr>
+        <p:spPr/>
+        <p:txBody>
+          <a:bodyPr/>
+          <a:lstStyle/>
+          <a:p>
+            <a:r>
+              <a:rPr lang="en-US" dirty="0"/>
+              <a:t>How do you define a Redux action?</a:t>
+            </a:r>
+          </a:p>
+        </p:txBody>
+      </p:sp>
+      <p:sp>
+        <p:nvSpPr>
+          <p:cNvPr id="3" name="Content Placeholder 2">
+            <a:extLst>
+              <a:ext uri="{FF2B5EF4-FFF2-40B4-BE49-F238E27FC236}">
+                <a16:creationId xmlns:a16="http://schemas.microsoft.com/office/drawing/2014/main" id="{6C19B8A3-9A64-00A8-97FF-36BA9BFE7F1D}"/>
+              </a:ext>
+            </a:extLst>
+          </p:cNvPr>
+          <p:cNvSpPr>
+            <a:spLocks noGrp="1"/>
+          </p:cNvSpPr>
+          <p:nvPr>
+            <p:ph idx="1"/>
+          </p:nvPr>
+        </p:nvSpPr>
+        <p:spPr/>
+        <p:txBody>
+          <a:bodyPr/>
+          <a:lstStyle/>
+          <a:p>
+            <a:pPr marL="514350" indent="-514350">
+              <a:buFont typeface="+mj-lt"/>
+              <a:buAutoNum type="arabicPeriod"/>
+            </a:pPr>
+            <a:r>
+              <a:rPr lang="en-US" dirty="0"/>
+              <a:t>As an object with a type property</a:t>
+            </a:r>
+          </a:p>
+          <a:p>
+            <a:pPr marL="514350" indent="-514350">
+              <a:buFont typeface="+mj-lt"/>
+              <a:buAutoNum type="arabicPeriod"/>
+            </a:pPr>
+            <a:r>
+              <a:rPr lang="en-US" dirty="0"/>
+              <a:t>As a function that returns a promise</a:t>
+            </a:r>
+          </a:p>
+          <a:p>
+            <a:pPr marL="514350" indent="-514350">
+              <a:buFont typeface="+mj-lt"/>
+              <a:buAutoNum type="arabicPeriod"/>
+            </a:pPr>
+            <a:r>
+              <a:rPr lang="en-US" dirty="0"/>
+              <a:t>As a component that renders UI</a:t>
+            </a:r>
+          </a:p>
+          <a:p>
+            <a:pPr marL="514350" indent="-514350">
+              <a:buFont typeface="+mj-lt"/>
+              <a:buAutoNum type="arabicPeriod"/>
+            </a:pPr>
+            <a:r>
+              <a:rPr lang="en-US" dirty="0"/>
+              <a:t>As a middleware that intercepts actions</a:t>
+            </a:r>
+          </a:p>
+        </p:txBody>
+      </p:sp>
+    </p:spTree>
+    <p:extLst>
+      <p:ext uri="{BB962C8B-B14F-4D97-AF65-F5344CB8AC3E}">
+        <p14:creationId xmlns:p14="http://schemas.microsoft.com/office/powerpoint/2010/main" val="3835306712"/>
+      </p:ext>
+    </p:extLst>
+  </p:cSld>
+  <p:clrMapOvr>
+    <a:masterClrMapping/>
+  </p:clrMapOvr>
+</p:sld>
+</file>
+
+<file path=ppt/slides/slide19.xml><?xml version="1.0" encoding="utf-8"?>
+<p:sld xmlns:a="http://schemas.openxmlformats.org/drawingml/2006/main" xmlns:r="http://schemas.openxmlformats.org/officeDocument/2006/relationships" xmlns:p="http://schemas.openxmlformats.org/presentationml/2006/main">
+  <p:cSld>
+    <p:spTree>
+      <p:nvGrpSpPr>
+        <p:cNvPr id="1" name=""/>
+        <p:cNvGrpSpPr/>
+        <p:nvPr/>
+      </p:nvGrpSpPr>
+      <p:grpSpPr>
+        <a:xfrm>
+          <a:off x="0" y="0"/>
+          <a:ext cx="0" cy="0"/>
+          <a:chOff x="0" y="0"/>
+          <a:chExt cx="0" cy="0"/>
+        </a:xfrm>
+      </p:grpSpPr>
+      <p:sp>
+        <p:nvSpPr>
+          <p:cNvPr id="2" name="Title 1">
+            <a:extLst>
+              <a:ext uri="{FF2B5EF4-FFF2-40B4-BE49-F238E27FC236}">
+                <a16:creationId xmlns:a16="http://schemas.microsoft.com/office/drawing/2014/main" id="{EB250E88-90F7-29AC-8402-28530D62D199}"/>
+              </a:ext>
+            </a:extLst>
+          </p:cNvPr>
+          <p:cNvSpPr>
+            <a:spLocks noGrp="1"/>
+          </p:cNvSpPr>
+          <p:nvPr>
+            <p:ph type="title"/>
+          </p:nvPr>
+        </p:nvSpPr>
+        <p:spPr/>
+        <p:txBody>
+          <a:bodyPr/>
+          <a:lstStyle/>
+          <a:p>
+            <a:r>
+              <a:rPr lang="en-US" dirty="0"/>
+              <a:t>What is the purpose of the Provider component in Redux?</a:t>
+            </a:r>
+          </a:p>
+        </p:txBody>
+      </p:sp>
+      <p:sp>
+        <p:nvSpPr>
+          <p:cNvPr id="3" name="Content Placeholder 2">
+            <a:extLst>
+              <a:ext uri="{FF2B5EF4-FFF2-40B4-BE49-F238E27FC236}">
+                <a16:creationId xmlns:a16="http://schemas.microsoft.com/office/drawing/2014/main" id="{3AB90183-7714-269F-FA99-B7895A8F71A1}"/>
+              </a:ext>
+            </a:extLst>
+          </p:cNvPr>
+          <p:cNvSpPr>
+            <a:spLocks noGrp="1"/>
+          </p:cNvSpPr>
+          <p:nvPr>
+            <p:ph idx="1"/>
+          </p:nvPr>
+        </p:nvSpPr>
+        <p:spPr/>
+        <p:txBody>
+          <a:bodyPr/>
+          <a:lstStyle/>
+          <a:p>
+            <a:pPr marL="514350" indent="-514350">
+              <a:buFont typeface="+mj-lt"/>
+              <a:buAutoNum type="arabicPeriod"/>
+            </a:pPr>
+            <a:r>
+              <a:rPr lang="en-US" dirty="0"/>
+              <a:t>To manage local component state</a:t>
+            </a:r>
+          </a:p>
+          <a:p>
+            <a:pPr marL="514350" indent="-514350">
+              <a:buFont typeface="+mj-lt"/>
+              <a:buAutoNum type="arabicPeriod"/>
+            </a:pPr>
+            <a:r>
+              <a:rPr lang="en-US" dirty="0"/>
+              <a:t>To wrap the entire application and make the Redux store available to all components</a:t>
+            </a:r>
+          </a:p>
+          <a:p>
+            <a:pPr marL="514350" indent="-514350">
+              <a:buFont typeface="+mj-lt"/>
+              <a:buAutoNum type="arabicPeriod"/>
+            </a:pPr>
+            <a:r>
+              <a:rPr lang="en-US" dirty="0"/>
+              <a:t>To define action creators</a:t>
+            </a:r>
+          </a:p>
+          <a:p>
+            <a:pPr marL="514350" indent="-514350">
+              <a:buFont typeface="+mj-lt"/>
+              <a:buAutoNum type="arabicPeriod"/>
+            </a:pPr>
+            <a:r>
+              <a:rPr lang="en-US" dirty="0"/>
+              <a:t>To replace the need for context in React applications</a:t>
+            </a:r>
+          </a:p>
+        </p:txBody>
+      </p:sp>
+    </p:spTree>
+    <p:extLst>
+      <p:ext uri="{BB962C8B-B14F-4D97-AF65-F5344CB8AC3E}">
+        <p14:creationId xmlns:p14="http://schemas.microsoft.com/office/powerpoint/2010/main" val="1449634776"/>
+      </p:ext>
+    </p:extLst>
+  </p:cSld>
+  <p:clrMapOvr>
+    <a:masterClrMapping/>
+  </p:clrMapOvr>
+</p:sld>
+</file>
+
 <file path=ppt/slides/slide2.xml><?xml version="1.0" encoding="utf-8"?>
 <p:sld xmlns:a="http://schemas.openxmlformats.org/drawingml/2006/main" xmlns:r="http://schemas.openxmlformats.org/officeDocument/2006/relationships" xmlns:p="http://schemas.openxmlformats.org/presentationml/2006/main">
   <p:cSld>
@@ -4298,6 +4793,1196 @@
     <p:extLst>
       <p:ext uri="{BB962C8B-B14F-4D97-AF65-F5344CB8AC3E}">
         <p14:creationId xmlns:p14="http://schemas.microsoft.com/office/powerpoint/2010/main" val="1582850614"/>
+      </p:ext>
+    </p:extLst>
+  </p:cSld>
+  <p:clrMapOvr>
+    <a:masterClrMapping/>
+  </p:clrMapOvr>
+</p:sld>
+</file>
+
+<file path=ppt/slides/slide20.xml><?xml version="1.0" encoding="utf-8"?>
+<p:sld xmlns:a="http://schemas.openxmlformats.org/drawingml/2006/main" xmlns:r="http://schemas.openxmlformats.org/officeDocument/2006/relationships" xmlns:p="http://schemas.openxmlformats.org/presentationml/2006/main">
+  <p:cSld>
+    <p:spTree>
+      <p:nvGrpSpPr>
+        <p:cNvPr id="1" name=""/>
+        <p:cNvGrpSpPr/>
+        <p:nvPr/>
+      </p:nvGrpSpPr>
+      <p:grpSpPr>
+        <a:xfrm>
+          <a:off x="0" y="0"/>
+          <a:ext cx="0" cy="0"/>
+          <a:chOff x="0" y="0"/>
+          <a:chExt cx="0" cy="0"/>
+        </a:xfrm>
+      </p:grpSpPr>
+      <p:sp>
+        <p:nvSpPr>
+          <p:cNvPr id="2" name="Title 1">
+            <a:extLst>
+              <a:ext uri="{FF2B5EF4-FFF2-40B4-BE49-F238E27FC236}">
+                <a16:creationId xmlns:a16="http://schemas.microsoft.com/office/drawing/2014/main" id="{913DEAC1-F03A-9A92-27FE-62C85AB94A40}"/>
+              </a:ext>
+            </a:extLst>
+          </p:cNvPr>
+          <p:cNvSpPr>
+            <a:spLocks noGrp="1"/>
+          </p:cNvSpPr>
+          <p:nvPr>
+            <p:ph type="title"/>
+          </p:nvPr>
+        </p:nvSpPr>
+        <p:spPr/>
+        <p:txBody>
+          <a:bodyPr/>
+          <a:lstStyle/>
+          <a:p>
+            <a:r>
+              <a:rPr lang="en-US" dirty="0"/>
+              <a:t>In the Promise API, the failure is transmitted as</a:t>
+            </a:r>
+          </a:p>
+        </p:txBody>
+      </p:sp>
+      <p:sp>
+        <p:nvSpPr>
+          <p:cNvPr id="3" name="Content Placeholder 2">
+            <a:extLst>
+              <a:ext uri="{FF2B5EF4-FFF2-40B4-BE49-F238E27FC236}">
+                <a16:creationId xmlns:a16="http://schemas.microsoft.com/office/drawing/2014/main" id="{D6303FCB-A44E-7B7B-206D-39EFC8358A5A}"/>
+              </a:ext>
+            </a:extLst>
+          </p:cNvPr>
+          <p:cNvSpPr>
+            <a:spLocks noGrp="1"/>
+          </p:cNvSpPr>
+          <p:nvPr>
+            <p:ph idx="1"/>
+          </p:nvPr>
+        </p:nvSpPr>
+        <p:spPr/>
+        <p:txBody>
+          <a:bodyPr/>
+          <a:lstStyle/>
+          <a:p>
+            <a:pPr marL="514350" indent="-514350">
+              <a:buFont typeface="+mj-lt"/>
+              <a:buAutoNum type="arabicPeriod"/>
+            </a:pPr>
+            <a:r>
+              <a:rPr lang="en-US" dirty="0"/>
+              <a:t>error object in finally</a:t>
+            </a:r>
+          </a:p>
+          <a:p>
+            <a:pPr marL="514350" indent="-514350">
+              <a:buFont typeface="+mj-lt"/>
+              <a:buAutoNum type="arabicPeriod"/>
+            </a:pPr>
+            <a:r>
+              <a:rPr lang="en-US" dirty="0"/>
+              <a:t>notification in catch</a:t>
+            </a:r>
+          </a:p>
+          <a:p>
+            <a:pPr marL="514350" indent="-514350">
+              <a:buFont typeface="+mj-lt"/>
+              <a:buAutoNum type="arabicPeriod"/>
+            </a:pPr>
+            <a:r>
+              <a:rPr lang="en-US" dirty="0"/>
+              <a:t>error object in catch</a:t>
+            </a:r>
+          </a:p>
+          <a:p>
+            <a:pPr marL="514350" indent="-514350">
+              <a:buFont typeface="+mj-lt"/>
+              <a:buAutoNum type="arabicPeriod"/>
+            </a:pPr>
+            <a:r>
+              <a:rPr lang="en-US" dirty="0"/>
+              <a:t>notification in finally</a:t>
+            </a:r>
+          </a:p>
+        </p:txBody>
+      </p:sp>
+    </p:spTree>
+    <p:extLst>
+      <p:ext uri="{BB962C8B-B14F-4D97-AF65-F5344CB8AC3E}">
+        <p14:creationId xmlns:p14="http://schemas.microsoft.com/office/powerpoint/2010/main" val="2677831935"/>
+      </p:ext>
+    </p:extLst>
+  </p:cSld>
+  <p:clrMapOvr>
+    <a:masterClrMapping/>
+  </p:clrMapOvr>
+</p:sld>
+</file>
+
+<file path=ppt/slides/slide21.xml><?xml version="1.0" encoding="utf-8"?>
+<p:sld xmlns:a="http://schemas.openxmlformats.org/drawingml/2006/main" xmlns:r="http://schemas.openxmlformats.org/officeDocument/2006/relationships" xmlns:p="http://schemas.openxmlformats.org/presentationml/2006/main">
+  <p:cSld>
+    <p:spTree>
+      <p:nvGrpSpPr>
+        <p:cNvPr id="1" name=""/>
+        <p:cNvGrpSpPr/>
+        <p:nvPr/>
+      </p:nvGrpSpPr>
+      <p:grpSpPr>
+        <a:xfrm>
+          <a:off x="0" y="0"/>
+          <a:ext cx="0" cy="0"/>
+          <a:chOff x="0" y="0"/>
+          <a:chExt cx="0" cy="0"/>
+        </a:xfrm>
+      </p:grpSpPr>
+      <p:sp>
+        <p:nvSpPr>
+          <p:cNvPr id="2" name="Title 1">
+            <a:extLst>
+              <a:ext uri="{FF2B5EF4-FFF2-40B4-BE49-F238E27FC236}">
+                <a16:creationId xmlns:a16="http://schemas.microsoft.com/office/drawing/2014/main" id="{956DB1F0-220E-3CED-828B-AC225EABCF21}"/>
+              </a:ext>
+            </a:extLst>
+          </p:cNvPr>
+          <p:cNvSpPr>
+            <a:spLocks noGrp="1"/>
+          </p:cNvSpPr>
+          <p:nvPr>
+            <p:ph type="title"/>
+          </p:nvPr>
+        </p:nvSpPr>
+        <p:spPr/>
+        <p:txBody>
+          <a:bodyPr>
+            <a:normAutofit/>
+          </a:bodyPr>
+          <a:lstStyle/>
+          <a:p>
+            <a:r>
+              <a:rPr lang="en-US" sz="3600" dirty="0"/>
+              <a:t>In Redux architecture, what is the correct method for accessing the desired state within components?</a:t>
+            </a:r>
+          </a:p>
+        </p:txBody>
+      </p:sp>
+      <p:sp>
+        <p:nvSpPr>
+          <p:cNvPr id="3" name="Content Placeholder 2">
+            <a:extLst>
+              <a:ext uri="{FF2B5EF4-FFF2-40B4-BE49-F238E27FC236}">
+                <a16:creationId xmlns:a16="http://schemas.microsoft.com/office/drawing/2014/main" id="{EDBB5846-4C6C-F402-56D5-2492CFC209F1}"/>
+              </a:ext>
+            </a:extLst>
+          </p:cNvPr>
+          <p:cNvSpPr>
+            <a:spLocks noGrp="1"/>
+          </p:cNvSpPr>
+          <p:nvPr>
+            <p:ph idx="1"/>
+          </p:nvPr>
+        </p:nvSpPr>
+        <p:spPr/>
+        <p:txBody>
+          <a:bodyPr/>
+          <a:lstStyle/>
+          <a:p>
+            <a:pPr marL="514350" indent="-514350">
+              <a:buFont typeface="+mj-lt"/>
+              <a:buAutoNum type="arabicPeriod"/>
+            </a:pPr>
+            <a:r>
+              <a:rPr lang="en-US" dirty="0"/>
+              <a:t>action</a:t>
+            </a:r>
+          </a:p>
+          <a:p>
+            <a:pPr marL="514350" indent="-514350">
+              <a:buFont typeface="+mj-lt"/>
+              <a:buAutoNum type="arabicPeriod"/>
+            </a:pPr>
+            <a:r>
+              <a:rPr lang="en-US" dirty="0"/>
+              <a:t>subscription</a:t>
+            </a:r>
+          </a:p>
+          <a:p>
+            <a:pPr marL="514350" indent="-514350">
+              <a:buFont typeface="+mj-lt"/>
+              <a:buAutoNum type="arabicPeriod"/>
+            </a:pPr>
+            <a:r>
+              <a:rPr lang="en-US" dirty="0"/>
+              <a:t>Selector</a:t>
+            </a:r>
+          </a:p>
+          <a:p>
+            <a:pPr marL="514350" indent="-514350">
+              <a:buFont typeface="+mj-lt"/>
+              <a:buAutoNum type="arabicPeriod"/>
+            </a:pPr>
+            <a:r>
+              <a:rPr lang="en-US" dirty="0"/>
+              <a:t>Slice</a:t>
+            </a:r>
+          </a:p>
+          <a:p>
+            <a:pPr marL="514350" indent="-514350">
+              <a:buFont typeface="+mj-lt"/>
+              <a:buAutoNum type="arabicPeriod"/>
+            </a:pPr>
+            <a:endParaRPr lang="en-US" dirty="0"/>
+          </a:p>
+        </p:txBody>
+      </p:sp>
+    </p:spTree>
+    <p:extLst>
+      <p:ext uri="{BB962C8B-B14F-4D97-AF65-F5344CB8AC3E}">
+        <p14:creationId xmlns:p14="http://schemas.microsoft.com/office/powerpoint/2010/main" val="1466039343"/>
+      </p:ext>
+    </p:extLst>
+  </p:cSld>
+  <p:clrMapOvr>
+    <a:masterClrMapping/>
+  </p:clrMapOvr>
+</p:sld>
+</file>
+
+<file path=ppt/slides/slide22.xml><?xml version="1.0" encoding="utf-8"?>
+<p:sld xmlns:a="http://schemas.openxmlformats.org/drawingml/2006/main" xmlns:r="http://schemas.openxmlformats.org/officeDocument/2006/relationships" xmlns:p="http://schemas.openxmlformats.org/presentationml/2006/main">
+  <p:cSld>
+    <p:spTree>
+      <p:nvGrpSpPr>
+        <p:cNvPr id="1" name=""/>
+        <p:cNvGrpSpPr/>
+        <p:nvPr/>
+      </p:nvGrpSpPr>
+      <p:grpSpPr>
+        <a:xfrm>
+          <a:off x="0" y="0"/>
+          <a:ext cx="0" cy="0"/>
+          <a:chOff x="0" y="0"/>
+          <a:chExt cx="0" cy="0"/>
+        </a:xfrm>
+      </p:grpSpPr>
+      <p:sp>
+        <p:nvSpPr>
+          <p:cNvPr id="2" name="Title 1">
+            <a:extLst>
+              <a:ext uri="{FF2B5EF4-FFF2-40B4-BE49-F238E27FC236}">
+                <a16:creationId xmlns:a16="http://schemas.microsoft.com/office/drawing/2014/main" id="{11FCE7A0-45B4-6F32-BB22-176B5007E0CE}"/>
+              </a:ext>
+            </a:extLst>
+          </p:cNvPr>
+          <p:cNvSpPr>
+            <a:spLocks noGrp="1"/>
+          </p:cNvSpPr>
+          <p:nvPr>
+            <p:ph type="title"/>
+          </p:nvPr>
+        </p:nvSpPr>
+        <p:spPr/>
+        <p:txBody>
+          <a:bodyPr/>
+          <a:lstStyle/>
+          <a:p>
+            <a:r>
+              <a:rPr lang="en-US" dirty="0"/>
+              <a:t>A JavaScript module can contain only one default export.</a:t>
+            </a:r>
+          </a:p>
+        </p:txBody>
+      </p:sp>
+      <p:sp>
+        <p:nvSpPr>
+          <p:cNvPr id="3" name="Content Placeholder 2">
+            <a:extLst>
+              <a:ext uri="{FF2B5EF4-FFF2-40B4-BE49-F238E27FC236}">
+                <a16:creationId xmlns:a16="http://schemas.microsoft.com/office/drawing/2014/main" id="{782C3769-F294-18A0-CF26-FA10AC394A06}"/>
+              </a:ext>
+            </a:extLst>
+          </p:cNvPr>
+          <p:cNvSpPr>
+            <a:spLocks noGrp="1"/>
+          </p:cNvSpPr>
+          <p:nvPr>
+            <p:ph idx="1"/>
+          </p:nvPr>
+        </p:nvSpPr>
+        <p:spPr/>
+        <p:txBody>
+          <a:bodyPr/>
+          <a:lstStyle/>
+          <a:p>
+            <a:pPr marL="514350" indent="-514350">
+              <a:buFont typeface="+mj-lt"/>
+              <a:buAutoNum type="arabicPeriod"/>
+            </a:pPr>
+            <a:r>
+              <a:rPr lang="en-US" dirty="0"/>
+              <a:t>True</a:t>
+            </a:r>
+          </a:p>
+          <a:p>
+            <a:pPr marL="514350" indent="-514350">
+              <a:buFont typeface="+mj-lt"/>
+              <a:buAutoNum type="arabicPeriod"/>
+            </a:pPr>
+            <a:r>
+              <a:rPr lang="en-US" dirty="0"/>
+              <a:t>False</a:t>
+            </a:r>
+          </a:p>
+        </p:txBody>
+      </p:sp>
+    </p:spTree>
+    <p:extLst>
+      <p:ext uri="{BB962C8B-B14F-4D97-AF65-F5344CB8AC3E}">
+        <p14:creationId xmlns:p14="http://schemas.microsoft.com/office/powerpoint/2010/main" val="3726676383"/>
+      </p:ext>
+    </p:extLst>
+  </p:cSld>
+  <p:clrMapOvr>
+    <a:masterClrMapping/>
+  </p:clrMapOvr>
+</p:sld>
+</file>
+
+<file path=ppt/slides/slide23.xml><?xml version="1.0" encoding="utf-8"?>
+<p:sld xmlns:a="http://schemas.openxmlformats.org/drawingml/2006/main" xmlns:r="http://schemas.openxmlformats.org/officeDocument/2006/relationships" xmlns:p="http://schemas.openxmlformats.org/presentationml/2006/main">
+  <p:cSld>
+    <p:spTree>
+      <p:nvGrpSpPr>
+        <p:cNvPr id="1" name=""/>
+        <p:cNvGrpSpPr/>
+        <p:nvPr/>
+      </p:nvGrpSpPr>
+      <p:grpSpPr>
+        <a:xfrm>
+          <a:off x="0" y="0"/>
+          <a:ext cx="0" cy="0"/>
+          <a:chOff x="0" y="0"/>
+          <a:chExt cx="0" cy="0"/>
+        </a:xfrm>
+      </p:grpSpPr>
+      <p:sp>
+        <p:nvSpPr>
+          <p:cNvPr id="2" name="Title 1">
+            <a:extLst>
+              <a:ext uri="{FF2B5EF4-FFF2-40B4-BE49-F238E27FC236}">
+                <a16:creationId xmlns:a16="http://schemas.microsoft.com/office/drawing/2014/main" id="{5284A052-38DD-4933-817A-BBF5744B81F6}"/>
+              </a:ext>
+            </a:extLst>
+          </p:cNvPr>
+          <p:cNvSpPr>
+            <a:spLocks noGrp="1"/>
+          </p:cNvSpPr>
+          <p:nvPr>
+            <p:ph type="title"/>
+          </p:nvPr>
+        </p:nvSpPr>
+        <p:spPr/>
+        <p:txBody>
+          <a:bodyPr/>
+          <a:lstStyle/>
+          <a:p>
+            <a:r>
+              <a:rPr lang="en-US" dirty="0"/>
+              <a:t>A JavaScript module can contain only one named export.</a:t>
+            </a:r>
+          </a:p>
+        </p:txBody>
+      </p:sp>
+      <p:sp>
+        <p:nvSpPr>
+          <p:cNvPr id="3" name="Content Placeholder 2">
+            <a:extLst>
+              <a:ext uri="{FF2B5EF4-FFF2-40B4-BE49-F238E27FC236}">
+                <a16:creationId xmlns:a16="http://schemas.microsoft.com/office/drawing/2014/main" id="{A17464C1-D697-4DCC-A1B1-ABD222F476D5}"/>
+              </a:ext>
+            </a:extLst>
+          </p:cNvPr>
+          <p:cNvSpPr>
+            <a:spLocks noGrp="1"/>
+          </p:cNvSpPr>
+          <p:nvPr>
+            <p:ph idx="1"/>
+          </p:nvPr>
+        </p:nvSpPr>
+        <p:spPr/>
+        <p:txBody>
+          <a:bodyPr/>
+          <a:lstStyle/>
+          <a:p>
+            <a:pPr marL="514350" indent="-514350">
+              <a:buFont typeface="+mj-lt"/>
+              <a:buAutoNum type="arabicPeriod"/>
+            </a:pPr>
+            <a:r>
+              <a:rPr lang="en-US" dirty="0"/>
+              <a:t>True</a:t>
+            </a:r>
+          </a:p>
+          <a:p>
+            <a:pPr marL="514350" indent="-514350">
+              <a:buFont typeface="+mj-lt"/>
+              <a:buAutoNum type="arabicPeriod"/>
+            </a:pPr>
+            <a:r>
+              <a:rPr lang="en-US" dirty="0"/>
+              <a:t>False</a:t>
+            </a:r>
+          </a:p>
+        </p:txBody>
+      </p:sp>
+    </p:spTree>
+    <p:extLst>
+      <p:ext uri="{BB962C8B-B14F-4D97-AF65-F5344CB8AC3E}">
+        <p14:creationId xmlns:p14="http://schemas.microsoft.com/office/powerpoint/2010/main" val="4000101753"/>
+      </p:ext>
+    </p:extLst>
+  </p:cSld>
+  <p:clrMapOvr>
+    <a:masterClrMapping/>
+  </p:clrMapOvr>
+</p:sld>
+</file>
+
+<file path=ppt/slides/slide24.xml><?xml version="1.0" encoding="utf-8"?>
+<p:sld xmlns:a="http://schemas.openxmlformats.org/drawingml/2006/main" xmlns:r="http://schemas.openxmlformats.org/officeDocument/2006/relationships" xmlns:p="http://schemas.openxmlformats.org/presentationml/2006/main">
+  <p:cSld>
+    <p:spTree>
+      <p:nvGrpSpPr>
+        <p:cNvPr id="1" name=""/>
+        <p:cNvGrpSpPr/>
+        <p:nvPr/>
+      </p:nvGrpSpPr>
+      <p:grpSpPr>
+        <a:xfrm>
+          <a:off x="0" y="0"/>
+          <a:ext cx="0" cy="0"/>
+          <a:chOff x="0" y="0"/>
+          <a:chExt cx="0" cy="0"/>
+        </a:xfrm>
+      </p:grpSpPr>
+      <p:sp>
+        <p:nvSpPr>
+          <p:cNvPr id="2" name="Title 1">
+            <a:extLst>
+              <a:ext uri="{FF2B5EF4-FFF2-40B4-BE49-F238E27FC236}">
+                <a16:creationId xmlns:a16="http://schemas.microsoft.com/office/drawing/2014/main" id="{13CC883A-37D6-0F05-693B-6EB7974A3A70}"/>
+              </a:ext>
+            </a:extLst>
+          </p:cNvPr>
+          <p:cNvSpPr>
+            <a:spLocks noGrp="1"/>
+          </p:cNvSpPr>
+          <p:nvPr>
+            <p:ph type="title"/>
+          </p:nvPr>
+        </p:nvSpPr>
+        <p:spPr/>
+        <p:txBody>
+          <a:bodyPr/>
+          <a:lstStyle/>
+          <a:p>
+            <a:r>
+              <a:rPr lang="en-US" dirty="0"/>
+              <a:t>In this statement (window as any), which typescript feature is used?</a:t>
+            </a:r>
+          </a:p>
+        </p:txBody>
+      </p:sp>
+      <p:sp>
+        <p:nvSpPr>
+          <p:cNvPr id="3" name="Content Placeholder 2">
+            <a:extLst>
+              <a:ext uri="{FF2B5EF4-FFF2-40B4-BE49-F238E27FC236}">
+                <a16:creationId xmlns:a16="http://schemas.microsoft.com/office/drawing/2014/main" id="{32B48756-03B1-7D39-23B5-C6E411FA8D75}"/>
+              </a:ext>
+            </a:extLst>
+          </p:cNvPr>
+          <p:cNvSpPr>
+            <a:spLocks noGrp="1"/>
+          </p:cNvSpPr>
+          <p:nvPr>
+            <p:ph idx="1"/>
+          </p:nvPr>
+        </p:nvSpPr>
+        <p:spPr/>
+        <p:txBody>
+          <a:bodyPr/>
+          <a:lstStyle/>
+          <a:p>
+            <a:pPr marL="514350" indent="-514350">
+              <a:buFont typeface="+mj-lt"/>
+              <a:buAutoNum type="arabicPeriod"/>
+            </a:pPr>
+            <a:r>
+              <a:rPr lang="en-US" dirty="0"/>
+              <a:t>Type cast</a:t>
+            </a:r>
+          </a:p>
+          <a:p>
+            <a:pPr marL="514350" indent="-514350">
+              <a:buFont typeface="+mj-lt"/>
+              <a:buAutoNum type="arabicPeriod"/>
+            </a:pPr>
+            <a:r>
+              <a:rPr lang="en-US" dirty="0"/>
+              <a:t>Type annotation</a:t>
+            </a:r>
+          </a:p>
+          <a:p>
+            <a:pPr marL="514350" indent="-514350">
+              <a:buFont typeface="+mj-lt"/>
+              <a:buAutoNum type="arabicPeriod"/>
+            </a:pPr>
+            <a:r>
+              <a:rPr lang="en-US" dirty="0"/>
+              <a:t>Type assertion</a:t>
+            </a:r>
+          </a:p>
+          <a:p>
+            <a:pPr marL="0" indent="0">
+              <a:buNone/>
+            </a:pPr>
+            <a:endParaRPr lang="en-US" dirty="0"/>
+          </a:p>
+          <a:p>
+            <a:endParaRPr lang="en-US" dirty="0"/>
+          </a:p>
+        </p:txBody>
+      </p:sp>
+    </p:spTree>
+    <p:extLst>
+      <p:ext uri="{BB962C8B-B14F-4D97-AF65-F5344CB8AC3E}">
+        <p14:creationId xmlns:p14="http://schemas.microsoft.com/office/powerpoint/2010/main" val="779563874"/>
+      </p:ext>
+    </p:extLst>
+  </p:cSld>
+  <p:clrMapOvr>
+    <a:masterClrMapping/>
+  </p:clrMapOvr>
+</p:sld>
+</file>
+
+<file path=ppt/slides/slide25.xml><?xml version="1.0" encoding="utf-8"?>
+<p:sld xmlns:a="http://schemas.openxmlformats.org/drawingml/2006/main" xmlns:r="http://schemas.openxmlformats.org/officeDocument/2006/relationships" xmlns:p="http://schemas.openxmlformats.org/presentationml/2006/main">
+  <p:cSld>
+    <p:spTree>
+      <p:nvGrpSpPr>
+        <p:cNvPr id="1" name=""/>
+        <p:cNvGrpSpPr/>
+        <p:nvPr/>
+      </p:nvGrpSpPr>
+      <p:grpSpPr>
+        <a:xfrm>
+          <a:off x="0" y="0"/>
+          <a:ext cx="0" cy="0"/>
+          <a:chOff x="0" y="0"/>
+          <a:chExt cx="0" cy="0"/>
+        </a:xfrm>
+      </p:grpSpPr>
+      <p:sp>
+        <p:nvSpPr>
+          <p:cNvPr id="2" name="Title 1">
+            <a:extLst>
+              <a:ext uri="{FF2B5EF4-FFF2-40B4-BE49-F238E27FC236}">
+                <a16:creationId xmlns:a16="http://schemas.microsoft.com/office/drawing/2014/main" id="{FC250FF8-96A9-C7F1-1E7B-E47E72B68293}"/>
+              </a:ext>
+            </a:extLst>
+          </p:cNvPr>
+          <p:cNvSpPr>
+            <a:spLocks noGrp="1"/>
+          </p:cNvSpPr>
+          <p:nvPr>
+            <p:ph type="title"/>
+          </p:nvPr>
+        </p:nvSpPr>
+        <p:spPr/>
+        <p:txBody>
+          <a:bodyPr>
+            <a:noAutofit/>
+          </a:bodyPr>
+          <a:lstStyle/>
+          <a:p>
+            <a:r>
+              <a:rPr lang="en-US" sz="3200" dirty="0"/>
+              <a:t>In the Render section of your React component, what is the most commonly used JavaScript function for iterating over an array?</a:t>
+            </a:r>
+          </a:p>
+        </p:txBody>
+      </p:sp>
+      <p:sp>
+        <p:nvSpPr>
+          <p:cNvPr id="3" name="Content Placeholder 2">
+            <a:extLst>
+              <a:ext uri="{FF2B5EF4-FFF2-40B4-BE49-F238E27FC236}">
+                <a16:creationId xmlns:a16="http://schemas.microsoft.com/office/drawing/2014/main" id="{1D4B887D-73F3-7CC9-B0D4-0F71086027E4}"/>
+              </a:ext>
+            </a:extLst>
+          </p:cNvPr>
+          <p:cNvSpPr>
+            <a:spLocks noGrp="1"/>
+          </p:cNvSpPr>
+          <p:nvPr>
+            <p:ph idx="1"/>
+          </p:nvPr>
+        </p:nvSpPr>
+        <p:spPr/>
+        <p:txBody>
+          <a:bodyPr/>
+          <a:lstStyle/>
+          <a:p>
+            <a:pPr marL="514350" indent="-514350">
+              <a:buFont typeface="+mj-lt"/>
+              <a:buAutoNum type="arabicPeriod"/>
+            </a:pPr>
+            <a:r>
+              <a:rPr lang="en-US" dirty="0" err="1"/>
+              <a:t>doWhen</a:t>
+            </a:r>
+            <a:endParaRPr lang="en-US" dirty="0"/>
+          </a:p>
+          <a:p>
+            <a:pPr marL="514350" indent="-514350">
+              <a:buFont typeface="+mj-lt"/>
+              <a:buAutoNum type="arabicPeriod"/>
+            </a:pPr>
+            <a:r>
+              <a:rPr lang="en-US" dirty="0"/>
+              <a:t>Map</a:t>
+            </a:r>
+          </a:p>
+          <a:p>
+            <a:pPr marL="514350" indent="-514350">
+              <a:buFont typeface="+mj-lt"/>
+              <a:buAutoNum type="arabicPeriod"/>
+            </a:pPr>
+            <a:r>
+              <a:rPr lang="en-US" dirty="0"/>
+              <a:t>List</a:t>
+            </a:r>
+          </a:p>
+          <a:p>
+            <a:pPr marL="514350" indent="-514350">
+              <a:buFont typeface="+mj-lt"/>
+              <a:buAutoNum type="arabicPeriod"/>
+            </a:pPr>
+            <a:r>
+              <a:rPr lang="en-US" dirty="0" err="1"/>
+              <a:t>iterateOver</a:t>
+            </a:r>
+            <a:endParaRPr lang="en-US" dirty="0"/>
+          </a:p>
+        </p:txBody>
+      </p:sp>
+    </p:spTree>
+    <p:extLst>
+      <p:ext uri="{BB962C8B-B14F-4D97-AF65-F5344CB8AC3E}">
+        <p14:creationId xmlns:p14="http://schemas.microsoft.com/office/powerpoint/2010/main" val="418609059"/>
+      </p:ext>
+    </p:extLst>
+  </p:cSld>
+  <p:clrMapOvr>
+    <a:masterClrMapping/>
+  </p:clrMapOvr>
+</p:sld>
+</file>
+
+<file path=ppt/slides/slide26.xml><?xml version="1.0" encoding="utf-8"?>
+<p:sld xmlns:a="http://schemas.openxmlformats.org/drawingml/2006/main" xmlns:r="http://schemas.openxmlformats.org/officeDocument/2006/relationships" xmlns:p="http://schemas.openxmlformats.org/presentationml/2006/main">
+  <p:cSld>
+    <p:spTree>
+      <p:nvGrpSpPr>
+        <p:cNvPr id="1" name=""/>
+        <p:cNvGrpSpPr/>
+        <p:nvPr/>
+      </p:nvGrpSpPr>
+      <p:grpSpPr>
+        <a:xfrm>
+          <a:off x="0" y="0"/>
+          <a:ext cx="0" cy="0"/>
+          <a:chOff x="0" y="0"/>
+          <a:chExt cx="0" cy="0"/>
+        </a:xfrm>
+      </p:grpSpPr>
+      <p:sp>
+        <p:nvSpPr>
+          <p:cNvPr id="2" name="Title 1">
+            <a:extLst>
+              <a:ext uri="{FF2B5EF4-FFF2-40B4-BE49-F238E27FC236}">
+                <a16:creationId xmlns:a16="http://schemas.microsoft.com/office/drawing/2014/main" id="{4497CD5B-0758-4AF9-5865-227EC132DEB1}"/>
+              </a:ext>
+            </a:extLst>
+          </p:cNvPr>
+          <p:cNvSpPr>
+            <a:spLocks noGrp="1"/>
+          </p:cNvSpPr>
+          <p:nvPr>
+            <p:ph type="title"/>
+          </p:nvPr>
+        </p:nvSpPr>
+        <p:spPr/>
+        <p:txBody>
+          <a:bodyPr>
+            <a:normAutofit/>
+          </a:bodyPr>
+          <a:lstStyle/>
+          <a:p>
+            <a:r>
+              <a:rPr lang="en-US" sz="3600" dirty="0"/>
+              <a:t>In the Render section of your React component, what is typically used for conditional rendering?</a:t>
+            </a:r>
+          </a:p>
+        </p:txBody>
+      </p:sp>
+      <p:sp>
+        <p:nvSpPr>
+          <p:cNvPr id="3" name="Content Placeholder 2">
+            <a:extLst>
+              <a:ext uri="{FF2B5EF4-FFF2-40B4-BE49-F238E27FC236}">
+                <a16:creationId xmlns:a16="http://schemas.microsoft.com/office/drawing/2014/main" id="{16D234B6-7A79-1A42-744D-67507EE4B356}"/>
+              </a:ext>
+            </a:extLst>
+          </p:cNvPr>
+          <p:cNvSpPr>
+            <a:spLocks noGrp="1"/>
+          </p:cNvSpPr>
+          <p:nvPr>
+            <p:ph idx="1"/>
+          </p:nvPr>
+        </p:nvSpPr>
+        <p:spPr/>
+        <p:txBody>
+          <a:bodyPr/>
+          <a:lstStyle/>
+          <a:p>
+            <a:pPr marL="514350" indent="-514350">
+              <a:buFont typeface="+mj-lt"/>
+              <a:buAutoNum type="arabicPeriod"/>
+            </a:pPr>
+            <a:r>
+              <a:rPr lang="en-US" dirty="0"/>
+              <a:t>if statements</a:t>
+            </a:r>
+          </a:p>
+          <a:p>
+            <a:pPr marL="514350" indent="-514350">
+              <a:buFont typeface="+mj-lt"/>
+              <a:buAutoNum type="arabicPeriod"/>
+            </a:pPr>
+            <a:r>
+              <a:rPr lang="en-US" dirty="0"/>
+              <a:t>Ternary operator</a:t>
+            </a:r>
+          </a:p>
+          <a:p>
+            <a:pPr marL="514350" indent="-514350">
+              <a:buFont typeface="+mj-lt"/>
+              <a:buAutoNum type="arabicPeriod"/>
+            </a:pPr>
+            <a:r>
+              <a:rPr lang="en-US" dirty="0"/>
+              <a:t>switch statement</a:t>
+            </a:r>
+          </a:p>
+          <a:p>
+            <a:pPr marL="514350" indent="-514350">
+              <a:buFont typeface="+mj-lt"/>
+              <a:buAutoNum type="arabicPeriod"/>
+            </a:pPr>
+            <a:r>
+              <a:rPr lang="en-US" dirty="0"/>
+              <a:t>Logical &amp;&amp; operator</a:t>
+            </a:r>
+          </a:p>
+        </p:txBody>
+      </p:sp>
+    </p:spTree>
+    <p:extLst>
+      <p:ext uri="{BB962C8B-B14F-4D97-AF65-F5344CB8AC3E}">
+        <p14:creationId xmlns:p14="http://schemas.microsoft.com/office/powerpoint/2010/main" val="530994271"/>
+      </p:ext>
+    </p:extLst>
+  </p:cSld>
+  <p:clrMapOvr>
+    <a:masterClrMapping/>
+  </p:clrMapOvr>
+</p:sld>
+</file>
+
+<file path=ppt/slides/slide27.xml><?xml version="1.0" encoding="utf-8"?>
+<p:sld xmlns:a="http://schemas.openxmlformats.org/drawingml/2006/main" xmlns:r="http://schemas.openxmlformats.org/officeDocument/2006/relationships" xmlns:p="http://schemas.openxmlformats.org/presentationml/2006/main">
+  <p:cSld>
+    <p:spTree>
+      <p:nvGrpSpPr>
+        <p:cNvPr id="1" name=""/>
+        <p:cNvGrpSpPr/>
+        <p:nvPr/>
+      </p:nvGrpSpPr>
+      <p:grpSpPr>
+        <a:xfrm>
+          <a:off x="0" y="0"/>
+          <a:ext cx="0" cy="0"/>
+          <a:chOff x="0" y="0"/>
+          <a:chExt cx="0" cy="0"/>
+        </a:xfrm>
+      </p:grpSpPr>
+      <p:sp>
+        <p:nvSpPr>
+          <p:cNvPr id="2" name="Title 1">
+            <a:extLst>
+              <a:ext uri="{FF2B5EF4-FFF2-40B4-BE49-F238E27FC236}">
+                <a16:creationId xmlns:a16="http://schemas.microsoft.com/office/drawing/2014/main" id="{1AE2B1B3-FC8F-1E0A-1B6B-25DB2BF281DD}"/>
+              </a:ext>
+            </a:extLst>
+          </p:cNvPr>
+          <p:cNvSpPr>
+            <a:spLocks noGrp="1"/>
+          </p:cNvSpPr>
+          <p:nvPr>
+            <p:ph type="title"/>
+          </p:nvPr>
+        </p:nvSpPr>
+        <p:spPr/>
+        <p:txBody>
+          <a:bodyPr>
+            <a:normAutofit/>
+          </a:bodyPr>
+          <a:lstStyle/>
+          <a:p>
+            <a:r>
+              <a:rPr lang="en-US" sz="3600" dirty="0"/>
+              <a:t>Which React hook is most suitable for sharing data between different components?</a:t>
+            </a:r>
+          </a:p>
+        </p:txBody>
+      </p:sp>
+      <p:sp>
+        <p:nvSpPr>
+          <p:cNvPr id="3" name="Content Placeholder 2">
+            <a:extLst>
+              <a:ext uri="{FF2B5EF4-FFF2-40B4-BE49-F238E27FC236}">
+                <a16:creationId xmlns:a16="http://schemas.microsoft.com/office/drawing/2014/main" id="{B62C14C4-6638-AE10-6947-0EC78EC6C448}"/>
+              </a:ext>
+            </a:extLst>
+          </p:cNvPr>
+          <p:cNvSpPr>
+            <a:spLocks noGrp="1"/>
+          </p:cNvSpPr>
+          <p:nvPr>
+            <p:ph idx="1"/>
+          </p:nvPr>
+        </p:nvSpPr>
+        <p:spPr/>
+        <p:txBody>
+          <a:bodyPr/>
+          <a:lstStyle/>
+          <a:p>
+            <a:pPr marL="514350" indent="-514350">
+              <a:buFont typeface="+mj-lt"/>
+              <a:buAutoNum type="arabicPeriod"/>
+            </a:pPr>
+            <a:r>
+              <a:rPr lang="en-US" dirty="0" err="1"/>
+              <a:t>useState</a:t>
+            </a:r>
+            <a:endParaRPr lang="en-US" dirty="0"/>
+          </a:p>
+          <a:p>
+            <a:pPr marL="514350" indent="-514350">
+              <a:buFont typeface="+mj-lt"/>
+              <a:buAutoNum type="arabicPeriod"/>
+            </a:pPr>
+            <a:r>
+              <a:rPr lang="en-US" dirty="0" err="1"/>
+              <a:t>useContext</a:t>
+            </a:r>
+            <a:endParaRPr lang="en-US" dirty="0"/>
+          </a:p>
+          <a:p>
+            <a:pPr marL="514350" indent="-514350">
+              <a:buFont typeface="+mj-lt"/>
+              <a:buAutoNum type="arabicPeriod"/>
+            </a:pPr>
+            <a:r>
+              <a:rPr lang="en-US" dirty="0" err="1"/>
+              <a:t>useRef</a:t>
+            </a:r>
+            <a:endParaRPr lang="en-US" dirty="0"/>
+          </a:p>
+          <a:p>
+            <a:pPr marL="514350" indent="-514350">
+              <a:buFont typeface="+mj-lt"/>
+              <a:buAutoNum type="arabicPeriod"/>
+            </a:pPr>
+            <a:r>
+              <a:rPr lang="en-US" dirty="0" err="1"/>
+              <a:t>useReducer</a:t>
+            </a:r>
+            <a:endParaRPr lang="en-US" dirty="0"/>
+          </a:p>
+        </p:txBody>
+      </p:sp>
+    </p:spTree>
+    <p:extLst>
+      <p:ext uri="{BB962C8B-B14F-4D97-AF65-F5344CB8AC3E}">
+        <p14:creationId xmlns:p14="http://schemas.microsoft.com/office/powerpoint/2010/main" val="1164554380"/>
+      </p:ext>
+    </p:extLst>
+  </p:cSld>
+  <p:clrMapOvr>
+    <a:masterClrMapping/>
+  </p:clrMapOvr>
+</p:sld>
+</file>
+
+<file path=ppt/slides/slide28.xml><?xml version="1.0" encoding="utf-8"?>
+<p:sld xmlns:a="http://schemas.openxmlformats.org/drawingml/2006/main" xmlns:r="http://schemas.openxmlformats.org/officeDocument/2006/relationships" xmlns:p="http://schemas.openxmlformats.org/presentationml/2006/main">
+  <p:cSld>
+    <p:spTree>
+      <p:nvGrpSpPr>
+        <p:cNvPr id="1" name=""/>
+        <p:cNvGrpSpPr/>
+        <p:nvPr/>
+      </p:nvGrpSpPr>
+      <p:grpSpPr>
+        <a:xfrm>
+          <a:off x="0" y="0"/>
+          <a:ext cx="0" cy="0"/>
+          <a:chOff x="0" y="0"/>
+          <a:chExt cx="0" cy="0"/>
+        </a:xfrm>
+      </p:grpSpPr>
+      <p:sp>
+        <p:nvSpPr>
+          <p:cNvPr id="2" name="Title 1">
+            <a:extLst>
+              <a:ext uri="{FF2B5EF4-FFF2-40B4-BE49-F238E27FC236}">
+                <a16:creationId xmlns:a16="http://schemas.microsoft.com/office/drawing/2014/main" id="{5D0BE5AC-54DE-8339-857F-D0E55B620242}"/>
+              </a:ext>
+            </a:extLst>
+          </p:cNvPr>
+          <p:cNvSpPr>
+            <a:spLocks noGrp="1"/>
+          </p:cNvSpPr>
+          <p:nvPr>
+            <p:ph type="title"/>
+          </p:nvPr>
+        </p:nvSpPr>
+        <p:spPr/>
+        <p:txBody>
+          <a:bodyPr>
+            <a:noAutofit/>
+          </a:bodyPr>
+          <a:lstStyle/>
+          <a:p>
+            <a:r>
+              <a:rPr lang="en-US" sz="3600" dirty="0"/>
+              <a:t>When constructing a React component tree, what does the term "prop drilling" mean within the context of a React application?</a:t>
+            </a:r>
+          </a:p>
+        </p:txBody>
+      </p:sp>
+      <p:sp>
+        <p:nvSpPr>
+          <p:cNvPr id="3" name="Content Placeholder 2">
+            <a:extLst>
+              <a:ext uri="{FF2B5EF4-FFF2-40B4-BE49-F238E27FC236}">
+                <a16:creationId xmlns:a16="http://schemas.microsoft.com/office/drawing/2014/main" id="{F0BCC07E-B11E-F420-7F88-FD3A46607A7A}"/>
+              </a:ext>
+            </a:extLst>
+          </p:cNvPr>
+          <p:cNvSpPr>
+            <a:spLocks noGrp="1"/>
+          </p:cNvSpPr>
+          <p:nvPr>
+            <p:ph idx="1"/>
+          </p:nvPr>
+        </p:nvSpPr>
+        <p:spPr/>
+        <p:txBody>
+          <a:bodyPr/>
+          <a:lstStyle/>
+          <a:p>
+            <a:pPr marL="514350" indent="-514350">
+              <a:buFont typeface="+mj-lt"/>
+              <a:buAutoNum type="arabicPeriod"/>
+            </a:pPr>
+            <a:r>
+              <a:rPr lang="en-US" dirty="0"/>
+              <a:t>Passing data from parent to child components deeply nested in the component tree</a:t>
+            </a:r>
+          </a:p>
+          <a:p>
+            <a:pPr marL="514350" indent="-514350">
+              <a:buFont typeface="+mj-lt"/>
+              <a:buAutoNum type="arabicPeriod"/>
+            </a:pPr>
+            <a:r>
+              <a:rPr lang="en-US" dirty="0"/>
+              <a:t>Using hooks to manage state</a:t>
+            </a:r>
+          </a:p>
+          <a:p>
+            <a:pPr marL="514350" indent="-514350">
+              <a:buFont typeface="+mj-lt"/>
+              <a:buAutoNum type="arabicPeriod"/>
+            </a:pPr>
+            <a:r>
+              <a:rPr lang="en-US" dirty="0"/>
+              <a:t>Utilizing context to avoid passing props manually</a:t>
+            </a:r>
+          </a:p>
+          <a:p>
+            <a:pPr marL="514350" indent="-514350">
+              <a:buFont typeface="+mj-lt"/>
+              <a:buAutoNum type="arabicPeriod"/>
+            </a:pPr>
+            <a:r>
+              <a:rPr lang="en-US" dirty="0"/>
+              <a:t>Updating the state of a parent component from a child component</a:t>
+            </a:r>
+          </a:p>
+        </p:txBody>
+      </p:sp>
+    </p:spTree>
+    <p:extLst>
+      <p:ext uri="{BB962C8B-B14F-4D97-AF65-F5344CB8AC3E}">
+        <p14:creationId xmlns:p14="http://schemas.microsoft.com/office/powerpoint/2010/main" val="4221799259"/>
+      </p:ext>
+    </p:extLst>
+  </p:cSld>
+  <p:clrMapOvr>
+    <a:masterClrMapping/>
+  </p:clrMapOvr>
+</p:sld>
+</file>
+
+<file path=ppt/slides/slide29.xml><?xml version="1.0" encoding="utf-8"?>
+<p:sld xmlns:a="http://schemas.openxmlformats.org/drawingml/2006/main" xmlns:r="http://schemas.openxmlformats.org/officeDocument/2006/relationships" xmlns:p="http://schemas.openxmlformats.org/presentationml/2006/main">
+  <p:cSld>
+    <p:spTree>
+      <p:nvGrpSpPr>
+        <p:cNvPr id="1" name=""/>
+        <p:cNvGrpSpPr/>
+        <p:nvPr/>
+      </p:nvGrpSpPr>
+      <p:grpSpPr>
+        <a:xfrm>
+          <a:off x="0" y="0"/>
+          <a:ext cx="0" cy="0"/>
+          <a:chOff x="0" y="0"/>
+          <a:chExt cx="0" cy="0"/>
+        </a:xfrm>
+      </p:grpSpPr>
+      <p:sp>
+        <p:nvSpPr>
+          <p:cNvPr id="2" name="Title 1">
+            <a:extLst>
+              <a:ext uri="{FF2B5EF4-FFF2-40B4-BE49-F238E27FC236}">
+                <a16:creationId xmlns:a16="http://schemas.microsoft.com/office/drawing/2014/main" id="{D8E19EC1-9F84-510A-FE57-CA5B12141701}"/>
+              </a:ext>
+            </a:extLst>
+          </p:cNvPr>
+          <p:cNvSpPr>
+            <a:spLocks noGrp="1"/>
+          </p:cNvSpPr>
+          <p:nvPr>
+            <p:ph type="title"/>
+          </p:nvPr>
+        </p:nvSpPr>
+        <p:spPr/>
+        <p:txBody>
+          <a:bodyPr/>
+          <a:lstStyle/>
+          <a:p>
+            <a:r>
+              <a:rPr lang="en-US" dirty="0"/>
+              <a:t>What is the advantage of using </a:t>
+            </a:r>
+            <a:r>
+              <a:rPr lang="en-US" dirty="0" err="1"/>
+              <a:t>React's</a:t>
+            </a:r>
+            <a:r>
+              <a:rPr lang="en-US" dirty="0"/>
+              <a:t> virtual DOM?</a:t>
+            </a:r>
+          </a:p>
+        </p:txBody>
+      </p:sp>
+      <p:sp>
+        <p:nvSpPr>
+          <p:cNvPr id="3" name="Content Placeholder 2">
+            <a:extLst>
+              <a:ext uri="{FF2B5EF4-FFF2-40B4-BE49-F238E27FC236}">
+                <a16:creationId xmlns:a16="http://schemas.microsoft.com/office/drawing/2014/main" id="{46C5B529-D09B-12E2-AA5A-99E420E799C0}"/>
+              </a:ext>
+            </a:extLst>
+          </p:cNvPr>
+          <p:cNvSpPr>
+            <a:spLocks noGrp="1"/>
+          </p:cNvSpPr>
+          <p:nvPr>
+            <p:ph idx="1"/>
+          </p:nvPr>
+        </p:nvSpPr>
+        <p:spPr/>
+        <p:txBody>
+          <a:bodyPr/>
+          <a:lstStyle/>
+          <a:p>
+            <a:pPr marL="514350" indent="-514350">
+              <a:buFont typeface="+mj-lt"/>
+              <a:buAutoNum type="arabicPeriod"/>
+            </a:pPr>
+            <a:r>
+              <a:rPr lang="en-US" dirty="0"/>
+              <a:t>Reduces the amount of code needed to build components</a:t>
+            </a:r>
+          </a:p>
+          <a:p>
+            <a:pPr marL="514350" indent="-514350">
+              <a:buFont typeface="+mj-lt"/>
+              <a:buAutoNum type="arabicPeriod"/>
+            </a:pPr>
+            <a:r>
+              <a:rPr lang="en-US" dirty="0"/>
+              <a:t>Improves the performance of updates by minimizing direct manipulation of the real DOM</a:t>
+            </a:r>
+          </a:p>
+          <a:p>
+            <a:pPr marL="514350" indent="-514350">
+              <a:buFont typeface="+mj-lt"/>
+              <a:buAutoNum type="arabicPeriod"/>
+            </a:pPr>
+            <a:r>
+              <a:rPr lang="en-US" dirty="0"/>
+              <a:t>Simplifies the syntax for creating components</a:t>
+            </a:r>
+          </a:p>
+          <a:p>
+            <a:pPr marL="514350" indent="-514350">
+              <a:buFont typeface="+mj-lt"/>
+              <a:buAutoNum type="arabicPeriod"/>
+            </a:pPr>
+            <a:r>
+              <a:rPr lang="en-US" dirty="0"/>
+              <a:t>Enhances the ability to handle asynchronous data requests</a:t>
+            </a:r>
+          </a:p>
+        </p:txBody>
+      </p:sp>
+    </p:spTree>
+    <p:extLst>
+      <p:ext uri="{BB962C8B-B14F-4D97-AF65-F5344CB8AC3E}">
+        <p14:creationId xmlns:p14="http://schemas.microsoft.com/office/powerpoint/2010/main" val="2545499258"/>
       </p:ext>
     </p:extLst>
   </p:cSld>
@@ -4467,6 +6152,134 @@
     <p:extLst>
       <p:ext uri="{BB962C8B-B14F-4D97-AF65-F5344CB8AC3E}">
         <p14:creationId xmlns:p14="http://schemas.microsoft.com/office/powerpoint/2010/main" val="911031532"/>
+      </p:ext>
+    </p:extLst>
+  </p:cSld>
+  <p:clrMapOvr>
+    <a:masterClrMapping/>
+  </p:clrMapOvr>
+</p:sld>
+</file>
+
+<file path=ppt/slides/slide30.xml><?xml version="1.0" encoding="utf-8"?>
+<p:sld xmlns:a="http://schemas.openxmlformats.org/drawingml/2006/main" xmlns:r="http://schemas.openxmlformats.org/officeDocument/2006/relationships" xmlns:p="http://schemas.openxmlformats.org/presentationml/2006/main">
+  <p:cSld>
+    <p:spTree>
+      <p:nvGrpSpPr>
+        <p:cNvPr id="1" name=""/>
+        <p:cNvGrpSpPr/>
+        <p:nvPr/>
+      </p:nvGrpSpPr>
+      <p:grpSpPr>
+        <a:xfrm>
+          <a:off x="0" y="0"/>
+          <a:ext cx="0" cy="0"/>
+          <a:chOff x="0" y="0"/>
+          <a:chExt cx="0" cy="0"/>
+        </a:xfrm>
+      </p:grpSpPr>
+      <p:sp>
+        <p:nvSpPr>
+          <p:cNvPr id="2" name="Title 1">
+            <a:extLst>
+              <a:ext uri="{FF2B5EF4-FFF2-40B4-BE49-F238E27FC236}">
+                <a16:creationId xmlns:a16="http://schemas.microsoft.com/office/drawing/2014/main" id="{46BD1CEC-C1F7-24AE-3E25-1D856301B482}"/>
+              </a:ext>
+            </a:extLst>
+          </p:cNvPr>
+          <p:cNvSpPr>
+            <a:spLocks noGrp="1"/>
+          </p:cNvSpPr>
+          <p:nvPr>
+            <p:ph type="title"/>
+          </p:nvPr>
+        </p:nvSpPr>
+        <p:spPr/>
+        <p:txBody>
+          <a:bodyPr/>
+          <a:lstStyle/>
+          <a:p>
+            <a:r>
+              <a:rPr lang="en-US" dirty="0"/>
+              <a:t>In a component composition, the child to parent communication happens via</a:t>
+            </a:r>
+          </a:p>
+        </p:txBody>
+      </p:sp>
+      <p:sp>
+        <p:nvSpPr>
+          <p:cNvPr id="3" name="Content Placeholder 2">
+            <a:extLst>
+              <a:ext uri="{FF2B5EF4-FFF2-40B4-BE49-F238E27FC236}">
+                <a16:creationId xmlns:a16="http://schemas.microsoft.com/office/drawing/2014/main" id="{E42E4B21-688B-A908-D5BE-CCDD56660308}"/>
+              </a:ext>
+            </a:extLst>
+          </p:cNvPr>
+          <p:cNvSpPr>
+            <a:spLocks noGrp="1"/>
+          </p:cNvSpPr>
+          <p:nvPr>
+            <p:ph idx="1"/>
+          </p:nvPr>
+        </p:nvSpPr>
+        <p:spPr/>
+        <p:txBody>
+          <a:bodyPr/>
+          <a:lstStyle/>
+          <a:p>
+            <a:pPr marL="514350" indent="-514350">
+              <a:buFont typeface="+mj-lt"/>
+              <a:buAutoNum type="arabicPeriod"/>
+            </a:pPr>
+            <a:r>
+              <a:rPr lang="en-US" dirty="0"/>
+              <a:t>function passed to the parent from child</a:t>
+            </a:r>
+          </a:p>
+          <a:p>
+            <a:pPr marL="514350" indent="-514350">
+              <a:buFont typeface="+mj-lt"/>
+              <a:buAutoNum type="arabicPeriod"/>
+            </a:pPr>
+            <a:r>
+              <a:rPr lang="en-US" dirty="0"/>
+              <a:t>function passed to the child from parent</a:t>
+            </a:r>
+          </a:p>
+          <a:p>
+            <a:pPr marL="514350" indent="-514350">
+              <a:buFont typeface="+mj-lt"/>
+              <a:buAutoNum type="arabicPeriod"/>
+            </a:pPr>
+            <a:r>
+              <a:rPr lang="en-US" dirty="0"/>
+              <a:t>calling </a:t>
+            </a:r>
+            <a:r>
+              <a:rPr lang="en-US" dirty="0" err="1"/>
+              <a:t>props.send</a:t>
+            </a:r>
+            <a:r>
+              <a:rPr lang="en-US" dirty="0"/>
+              <a:t>()</a:t>
+            </a:r>
+          </a:p>
+          <a:p>
+            <a:pPr marL="514350" indent="-514350">
+              <a:buFont typeface="+mj-lt"/>
+              <a:buAutoNum type="arabicPeriod"/>
+            </a:pPr>
+            <a:r>
+              <a:rPr lang="en-US" dirty="0"/>
+              <a:t>none of the above</a:t>
+            </a:r>
+          </a:p>
+        </p:txBody>
+      </p:sp>
+    </p:spTree>
+    <p:extLst>
+      <p:ext uri="{BB962C8B-B14F-4D97-AF65-F5344CB8AC3E}">
+        <p14:creationId xmlns:p14="http://schemas.microsoft.com/office/powerpoint/2010/main" val="2802241491"/>
       </p:ext>
     </p:extLst>
   </p:cSld>

--- a/Presentation/MCQ's.pptx
+++ b/Presentation/MCQ's.pptx
@@ -35,6 +35,7 @@
     <p:sldId id="281" r:id="rId29"/>
     <p:sldId id="282" r:id="rId30"/>
     <p:sldId id="274" r:id="rId31"/>
+    <p:sldId id="286" r:id="rId32"/>
   </p:sldIdLst>
   <p:sldSz cx="12192000" cy="6858000"/>
   <p:notesSz cx="6858000" cy="9144000"/>
@@ -288,7 +289,7 @@
           <a:p>
             <a:fld id="{5D18DF3F-D54E-484E-889A-2AD7F8C273A7}" type="datetimeFigureOut">
               <a:rPr lang="en-US" smtClean="0"/>
-              <a:t>5/19/2024</a:t>
+              <a:t>5/23/2024</a:t>
             </a:fld>
             <a:endParaRPr lang="en-US"/>
           </a:p>
@@ -486,7 +487,7 @@
           <a:p>
             <a:fld id="{5D18DF3F-D54E-484E-889A-2AD7F8C273A7}" type="datetimeFigureOut">
               <a:rPr lang="en-US" smtClean="0"/>
-              <a:t>5/19/2024</a:t>
+              <a:t>5/23/2024</a:t>
             </a:fld>
             <a:endParaRPr lang="en-US"/>
           </a:p>
@@ -694,7 +695,7 @@
           <a:p>
             <a:fld id="{5D18DF3F-D54E-484E-889A-2AD7F8C273A7}" type="datetimeFigureOut">
               <a:rPr lang="en-US" smtClean="0"/>
-              <a:t>5/19/2024</a:t>
+              <a:t>5/23/2024</a:t>
             </a:fld>
             <a:endParaRPr lang="en-US"/>
           </a:p>
@@ -892,7 +893,7 @@
           <a:p>
             <a:fld id="{5D18DF3F-D54E-484E-889A-2AD7F8C273A7}" type="datetimeFigureOut">
               <a:rPr lang="en-US" smtClean="0"/>
-              <a:t>5/19/2024</a:t>
+              <a:t>5/23/2024</a:t>
             </a:fld>
             <a:endParaRPr lang="en-US"/>
           </a:p>
@@ -1167,7 +1168,7 @@
           <a:p>
             <a:fld id="{5D18DF3F-D54E-484E-889A-2AD7F8C273A7}" type="datetimeFigureOut">
               <a:rPr lang="en-US" smtClean="0"/>
-              <a:t>5/19/2024</a:t>
+              <a:t>5/23/2024</a:t>
             </a:fld>
             <a:endParaRPr lang="en-US"/>
           </a:p>
@@ -1432,7 +1433,7 @@
           <a:p>
             <a:fld id="{5D18DF3F-D54E-484E-889A-2AD7F8C273A7}" type="datetimeFigureOut">
               <a:rPr lang="en-US" smtClean="0"/>
-              <a:t>5/19/2024</a:t>
+              <a:t>5/23/2024</a:t>
             </a:fld>
             <a:endParaRPr lang="en-US"/>
           </a:p>
@@ -1844,7 +1845,7 @@
           <a:p>
             <a:fld id="{5D18DF3F-D54E-484E-889A-2AD7F8C273A7}" type="datetimeFigureOut">
               <a:rPr lang="en-US" smtClean="0"/>
-              <a:t>5/19/2024</a:t>
+              <a:t>5/23/2024</a:t>
             </a:fld>
             <a:endParaRPr lang="en-US"/>
           </a:p>
@@ -1985,7 +1986,7 @@
           <a:p>
             <a:fld id="{5D18DF3F-D54E-484E-889A-2AD7F8C273A7}" type="datetimeFigureOut">
               <a:rPr lang="en-US" smtClean="0"/>
-              <a:t>5/19/2024</a:t>
+              <a:t>5/23/2024</a:t>
             </a:fld>
             <a:endParaRPr lang="en-US"/>
           </a:p>
@@ -2098,7 +2099,7 @@
           <a:p>
             <a:fld id="{5D18DF3F-D54E-484E-889A-2AD7F8C273A7}" type="datetimeFigureOut">
               <a:rPr lang="en-US" smtClean="0"/>
-              <a:t>5/19/2024</a:t>
+              <a:t>5/23/2024</a:t>
             </a:fld>
             <a:endParaRPr lang="en-US"/>
           </a:p>
@@ -2409,7 +2410,7 @@
           <a:p>
             <a:fld id="{5D18DF3F-D54E-484E-889A-2AD7F8C273A7}" type="datetimeFigureOut">
               <a:rPr lang="en-US" smtClean="0"/>
-              <a:t>5/19/2024</a:t>
+              <a:t>5/23/2024</a:t>
             </a:fld>
             <a:endParaRPr lang="en-US"/>
           </a:p>
@@ -2697,7 +2698,7 @@
           <a:p>
             <a:fld id="{5D18DF3F-D54E-484E-889A-2AD7F8C273A7}" type="datetimeFigureOut">
               <a:rPr lang="en-US" smtClean="0"/>
-              <a:t>5/19/2024</a:t>
+              <a:t>5/23/2024</a:t>
             </a:fld>
             <a:endParaRPr lang="en-US"/>
           </a:p>
@@ -2938,7 +2939,7 @@
           <a:p>
             <a:fld id="{5D18DF3F-D54E-484E-889A-2AD7F8C273A7}" type="datetimeFigureOut">
               <a:rPr lang="en-US" smtClean="0"/>
-              <a:t>5/19/2024</a:t>
+              <a:t>5/23/2024</a:t>
             </a:fld>
             <a:endParaRPr lang="en-US"/>
           </a:p>
@@ -6280,6 +6281,115 @@
     <p:extLst>
       <p:ext uri="{BB962C8B-B14F-4D97-AF65-F5344CB8AC3E}">
         <p14:creationId xmlns:p14="http://schemas.microsoft.com/office/powerpoint/2010/main" val="2802241491"/>
+      </p:ext>
+    </p:extLst>
+  </p:cSld>
+  <p:clrMapOvr>
+    <a:masterClrMapping/>
+  </p:clrMapOvr>
+</p:sld>
+</file>
+
+<file path=ppt/slides/slide31.xml><?xml version="1.0" encoding="utf-8"?>
+<p:sld xmlns:a="http://schemas.openxmlformats.org/drawingml/2006/main" xmlns:r="http://schemas.openxmlformats.org/officeDocument/2006/relationships" xmlns:p="http://schemas.openxmlformats.org/presentationml/2006/main">
+  <p:cSld>
+    <p:spTree>
+      <p:nvGrpSpPr>
+        <p:cNvPr id="1" name=""/>
+        <p:cNvGrpSpPr/>
+        <p:nvPr/>
+      </p:nvGrpSpPr>
+      <p:grpSpPr>
+        <a:xfrm>
+          <a:off x="0" y="0"/>
+          <a:ext cx="0" cy="0"/>
+          <a:chOff x="0" y="0"/>
+          <a:chExt cx="0" cy="0"/>
+        </a:xfrm>
+      </p:grpSpPr>
+      <p:sp>
+        <p:nvSpPr>
+          <p:cNvPr id="2" name="Title 1">
+            <a:extLst>
+              <a:ext uri="{FF2B5EF4-FFF2-40B4-BE49-F238E27FC236}">
+                <a16:creationId xmlns:a16="http://schemas.microsoft.com/office/drawing/2014/main" id="{332FAF8F-6F98-DEDA-D651-FFF446ABB0B1}"/>
+              </a:ext>
+            </a:extLst>
+          </p:cNvPr>
+          <p:cNvSpPr>
+            <a:spLocks noGrp="1"/>
+          </p:cNvSpPr>
+          <p:nvPr>
+            <p:ph type="title"/>
+          </p:nvPr>
+        </p:nvSpPr>
+        <p:spPr/>
+        <p:txBody>
+          <a:bodyPr/>
+          <a:lstStyle/>
+          <a:p>
+            <a:r>
+              <a:rPr lang="en-US" dirty="0"/>
+              <a:t>What of the following best </a:t>
+            </a:r>
+            <a:r>
+              <a:rPr lang="en-US"/>
+              <a:t>describes Spring?</a:t>
+            </a:r>
+            <a:endParaRPr lang="en-US" dirty="0"/>
+          </a:p>
+        </p:txBody>
+      </p:sp>
+      <p:sp>
+        <p:nvSpPr>
+          <p:cNvPr id="3" name="Content Placeholder 2">
+            <a:extLst>
+              <a:ext uri="{FF2B5EF4-FFF2-40B4-BE49-F238E27FC236}">
+                <a16:creationId xmlns:a16="http://schemas.microsoft.com/office/drawing/2014/main" id="{6FE7AE47-0A84-E830-3458-7C8D3D50487C}"/>
+              </a:ext>
+            </a:extLst>
+          </p:cNvPr>
+          <p:cNvSpPr>
+            <a:spLocks noGrp="1"/>
+          </p:cNvSpPr>
+          <p:nvPr>
+            <p:ph idx="1"/>
+          </p:nvPr>
+        </p:nvSpPr>
+        <p:spPr/>
+        <p:txBody>
+          <a:bodyPr/>
+          <a:lstStyle/>
+          <a:p>
+            <a:r>
+              <a:rPr lang="en-US" dirty="0"/>
+              <a:t>An ORM framework</a:t>
+            </a:r>
+          </a:p>
+          <a:p>
+            <a:r>
+              <a:rPr lang="en-US" dirty="0"/>
+              <a:t>A Web MVC framework</a:t>
+            </a:r>
+          </a:p>
+          <a:p>
+            <a:r>
+              <a:rPr lang="en-US" dirty="0"/>
+              <a:t>An Enterprise framework</a:t>
+            </a:r>
+          </a:p>
+          <a:p>
+            <a:r>
+              <a:rPr lang="en-US" dirty="0"/>
+              <a:t>A REST API framework</a:t>
+            </a:r>
+          </a:p>
+        </p:txBody>
+      </p:sp>
+    </p:spTree>
+    <p:extLst>
+      <p:ext uri="{BB962C8B-B14F-4D97-AF65-F5344CB8AC3E}">
+        <p14:creationId xmlns:p14="http://schemas.microsoft.com/office/powerpoint/2010/main" val="1665962687"/>
       </p:ext>
     </p:extLst>
   </p:cSld>

--- a/Presentation/MCQ's.pptx
+++ b/Presentation/MCQ's.pptx
@@ -36,6 +36,19 @@
     <p:sldId id="282" r:id="rId30"/>
     <p:sldId id="274" r:id="rId31"/>
     <p:sldId id="286" r:id="rId32"/>
+    <p:sldId id="287" r:id="rId33"/>
+    <p:sldId id="288" r:id="rId34"/>
+    <p:sldId id="289" r:id="rId35"/>
+    <p:sldId id="290" r:id="rId36"/>
+    <p:sldId id="291" r:id="rId37"/>
+    <p:sldId id="292" r:id="rId38"/>
+    <p:sldId id="293" r:id="rId39"/>
+    <p:sldId id="294" r:id="rId40"/>
+    <p:sldId id="295" r:id="rId41"/>
+    <p:sldId id="296" r:id="rId42"/>
+    <p:sldId id="297" r:id="rId43"/>
+    <p:sldId id="298" r:id="rId44"/>
+    <p:sldId id="299" r:id="rId45"/>
   </p:sldIdLst>
   <p:sldSz cx="12192000" cy="6858000"/>
   <p:notesSz cx="6858000" cy="9144000"/>
@@ -6330,13 +6343,8 @@
           <a:p>
             <a:r>
               <a:rPr lang="en-US" dirty="0"/>
-              <a:t>What of the following best </a:t>
-            </a:r>
-            <a:r>
-              <a:rPr lang="en-US"/>
-              <a:t>describes Spring?</a:t>
-            </a:r>
-            <a:endParaRPr lang="en-US" dirty="0"/>
+              <a:t>What of the following best describes Spring?</a:t>
+            </a:r>
           </a:p>
         </p:txBody>
       </p:sp>
@@ -6390,6 +6398,862 @@
     <p:extLst>
       <p:ext uri="{BB962C8B-B14F-4D97-AF65-F5344CB8AC3E}">
         <p14:creationId xmlns:p14="http://schemas.microsoft.com/office/powerpoint/2010/main" val="1665962687"/>
+      </p:ext>
+    </p:extLst>
+  </p:cSld>
+  <p:clrMapOvr>
+    <a:masterClrMapping/>
+  </p:clrMapOvr>
+</p:sld>
+</file>
+
+<file path=ppt/slides/slide32.xml><?xml version="1.0" encoding="utf-8"?>
+<p:sld xmlns:a="http://schemas.openxmlformats.org/drawingml/2006/main" xmlns:r="http://schemas.openxmlformats.org/officeDocument/2006/relationships" xmlns:p="http://schemas.openxmlformats.org/presentationml/2006/main">
+  <p:cSld>
+    <p:spTree>
+      <p:nvGrpSpPr>
+        <p:cNvPr id="1" name=""/>
+        <p:cNvGrpSpPr/>
+        <p:nvPr/>
+      </p:nvGrpSpPr>
+      <p:grpSpPr>
+        <a:xfrm>
+          <a:off x="0" y="0"/>
+          <a:ext cx="0" cy="0"/>
+          <a:chOff x="0" y="0"/>
+          <a:chExt cx="0" cy="0"/>
+        </a:xfrm>
+      </p:grpSpPr>
+      <p:sp>
+        <p:nvSpPr>
+          <p:cNvPr id="2" name="Title 1">
+            <a:extLst>
+              <a:ext uri="{FF2B5EF4-FFF2-40B4-BE49-F238E27FC236}">
+                <a16:creationId xmlns:a16="http://schemas.microsoft.com/office/drawing/2014/main" id="{7B4E6A88-1AE9-E12B-2319-9898573805B1}"/>
+              </a:ext>
+            </a:extLst>
+          </p:cNvPr>
+          <p:cNvSpPr>
+            <a:spLocks noGrp="1"/>
+          </p:cNvSpPr>
+          <p:nvPr>
+            <p:ph type="title"/>
+          </p:nvPr>
+        </p:nvSpPr>
+        <p:spPr/>
+        <p:txBody>
+          <a:bodyPr/>
+          <a:lstStyle/>
+          <a:p>
+            <a:r>
+              <a:rPr lang="en-US" dirty="0"/>
+              <a:t>Which of the following scopes is NOT supported by Spring for beans?</a:t>
+            </a:r>
+          </a:p>
+        </p:txBody>
+      </p:sp>
+      <p:sp>
+        <p:nvSpPr>
+          <p:cNvPr id="3" name="Content Placeholder 2">
+            <a:extLst>
+              <a:ext uri="{FF2B5EF4-FFF2-40B4-BE49-F238E27FC236}">
+                <a16:creationId xmlns:a16="http://schemas.microsoft.com/office/drawing/2014/main" id="{5490965F-E14E-7D8E-A148-BA03077AF5D3}"/>
+              </a:ext>
+            </a:extLst>
+          </p:cNvPr>
+          <p:cNvSpPr>
+            <a:spLocks noGrp="1"/>
+          </p:cNvSpPr>
+          <p:nvPr>
+            <p:ph idx="1"/>
+          </p:nvPr>
+        </p:nvSpPr>
+        <p:spPr/>
+        <p:txBody>
+          <a:bodyPr/>
+          <a:lstStyle/>
+          <a:p>
+            <a:r>
+              <a:rPr lang="en-US" dirty="0"/>
+              <a:t>a. Singleton</a:t>
+            </a:r>
+          </a:p>
+          <a:p>
+            <a:r>
+              <a:rPr lang="en-US" dirty="0"/>
+              <a:t>b. Prototype</a:t>
+            </a:r>
+          </a:p>
+          <a:p>
+            <a:r>
+              <a:rPr lang="en-US" dirty="0"/>
+              <a:t>c. Request</a:t>
+            </a:r>
+          </a:p>
+          <a:p>
+            <a:r>
+              <a:rPr lang="en-US" dirty="0"/>
+              <a:t>d. Static</a:t>
+            </a:r>
+          </a:p>
+        </p:txBody>
+      </p:sp>
+    </p:spTree>
+    <p:extLst>
+      <p:ext uri="{BB962C8B-B14F-4D97-AF65-F5344CB8AC3E}">
+        <p14:creationId xmlns:p14="http://schemas.microsoft.com/office/powerpoint/2010/main" val="2197029982"/>
+      </p:ext>
+    </p:extLst>
+  </p:cSld>
+  <p:clrMapOvr>
+    <a:masterClrMapping/>
+  </p:clrMapOvr>
+</p:sld>
+</file>
+
+<file path=ppt/slides/slide33.xml><?xml version="1.0" encoding="utf-8"?>
+<p:sld xmlns:a="http://schemas.openxmlformats.org/drawingml/2006/main" xmlns:r="http://schemas.openxmlformats.org/officeDocument/2006/relationships" xmlns:p="http://schemas.openxmlformats.org/presentationml/2006/main">
+  <p:cSld>
+    <p:spTree>
+      <p:nvGrpSpPr>
+        <p:cNvPr id="1" name=""/>
+        <p:cNvGrpSpPr/>
+        <p:nvPr/>
+      </p:nvGrpSpPr>
+      <p:grpSpPr>
+        <a:xfrm>
+          <a:off x="0" y="0"/>
+          <a:ext cx="0" cy="0"/>
+          <a:chOff x="0" y="0"/>
+          <a:chExt cx="0" cy="0"/>
+        </a:xfrm>
+      </p:grpSpPr>
+      <p:sp>
+        <p:nvSpPr>
+          <p:cNvPr id="2" name="Title 1">
+            <a:extLst>
+              <a:ext uri="{FF2B5EF4-FFF2-40B4-BE49-F238E27FC236}">
+                <a16:creationId xmlns:a16="http://schemas.microsoft.com/office/drawing/2014/main" id="{02F67A2C-6DCB-FCA6-42DA-17C1A747F733}"/>
+              </a:ext>
+            </a:extLst>
+          </p:cNvPr>
+          <p:cNvSpPr>
+            <a:spLocks noGrp="1"/>
+          </p:cNvSpPr>
+          <p:nvPr>
+            <p:ph type="title"/>
+          </p:nvPr>
+        </p:nvSpPr>
+        <p:spPr/>
+        <p:txBody>
+          <a:bodyPr/>
+          <a:lstStyle/>
+          <a:p>
+            <a:r>
+              <a:rPr lang="en-US" dirty="0"/>
+              <a:t>What is the role of the </a:t>
+            </a:r>
+            <a:r>
+              <a:rPr lang="en-US" dirty="0" err="1"/>
+              <a:t>ApplicationContext</a:t>
+            </a:r>
+            <a:r>
+              <a:rPr lang="en-US" dirty="0"/>
+              <a:t> in Spring?</a:t>
+            </a:r>
+          </a:p>
+        </p:txBody>
+      </p:sp>
+      <p:sp>
+        <p:nvSpPr>
+          <p:cNvPr id="3" name="Content Placeholder 2">
+            <a:extLst>
+              <a:ext uri="{FF2B5EF4-FFF2-40B4-BE49-F238E27FC236}">
+                <a16:creationId xmlns:a16="http://schemas.microsoft.com/office/drawing/2014/main" id="{FF570BD8-2A47-8CF3-D767-10E09EB49BA3}"/>
+              </a:ext>
+            </a:extLst>
+          </p:cNvPr>
+          <p:cNvSpPr>
+            <a:spLocks noGrp="1"/>
+          </p:cNvSpPr>
+          <p:nvPr>
+            <p:ph idx="1"/>
+          </p:nvPr>
+        </p:nvSpPr>
+        <p:spPr/>
+        <p:txBody>
+          <a:bodyPr/>
+          <a:lstStyle/>
+          <a:p>
+            <a:r>
+              <a:rPr lang="en-US" dirty="0"/>
+              <a:t>a. To manage HTTP requests</a:t>
+            </a:r>
+          </a:p>
+          <a:p>
+            <a:r>
+              <a:rPr lang="en-US" dirty="0"/>
+              <a:t>b. To create and configure beans</a:t>
+            </a:r>
+          </a:p>
+          <a:p>
+            <a:r>
+              <a:rPr lang="en-US" dirty="0"/>
+              <a:t>c. To handle database connections</a:t>
+            </a:r>
+          </a:p>
+          <a:p>
+            <a:r>
+              <a:rPr lang="en-US" dirty="0"/>
+              <a:t>d. To manage transactions</a:t>
+            </a:r>
+          </a:p>
+        </p:txBody>
+      </p:sp>
+    </p:spTree>
+    <p:extLst>
+      <p:ext uri="{BB962C8B-B14F-4D97-AF65-F5344CB8AC3E}">
+        <p14:creationId xmlns:p14="http://schemas.microsoft.com/office/powerpoint/2010/main" val="4016202089"/>
+      </p:ext>
+    </p:extLst>
+  </p:cSld>
+  <p:clrMapOvr>
+    <a:masterClrMapping/>
+  </p:clrMapOvr>
+</p:sld>
+</file>
+
+<file path=ppt/slides/slide34.xml><?xml version="1.0" encoding="utf-8"?>
+<p:sld xmlns:a="http://schemas.openxmlformats.org/drawingml/2006/main" xmlns:r="http://schemas.openxmlformats.org/officeDocument/2006/relationships" xmlns:p="http://schemas.openxmlformats.org/presentationml/2006/main">
+  <p:cSld>
+    <p:spTree>
+      <p:nvGrpSpPr>
+        <p:cNvPr id="1" name=""/>
+        <p:cNvGrpSpPr/>
+        <p:nvPr/>
+      </p:nvGrpSpPr>
+      <p:grpSpPr>
+        <a:xfrm>
+          <a:off x="0" y="0"/>
+          <a:ext cx="0" cy="0"/>
+          <a:chOff x="0" y="0"/>
+          <a:chExt cx="0" cy="0"/>
+        </a:xfrm>
+      </p:grpSpPr>
+      <p:sp>
+        <p:nvSpPr>
+          <p:cNvPr id="2" name="Title 1">
+            <a:extLst>
+              <a:ext uri="{FF2B5EF4-FFF2-40B4-BE49-F238E27FC236}">
+                <a16:creationId xmlns:a16="http://schemas.microsoft.com/office/drawing/2014/main" id="{6E8CAF24-CCC9-B5E4-E21B-16342C66FC44}"/>
+              </a:ext>
+            </a:extLst>
+          </p:cNvPr>
+          <p:cNvSpPr>
+            <a:spLocks noGrp="1"/>
+          </p:cNvSpPr>
+          <p:nvPr>
+            <p:ph type="title"/>
+          </p:nvPr>
+        </p:nvSpPr>
+        <p:spPr/>
+        <p:txBody>
+          <a:bodyPr/>
+          <a:lstStyle/>
+          <a:p>
+            <a:r>
+              <a:rPr lang="en-US" dirty="0"/>
+              <a:t>What is the default scope of a Spring bean?</a:t>
+            </a:r>
+          </a:p>
+        </p:txBody>
+      </p:sp>
+      <p:sp>
+        <p:nvSpPr>
+          <p:cNvPr id="3" name="Content Placeholder 2">
+            <a:extLst>
+              <a:ext uri="{FF2B5EF4-FFF2-40B4-BE49-F238E27FC236}">
+                <a16:creationId xmlns:a16="http://schemas.microsoft.com/office/drawing/2014/main" id="{23141C2B-3463-FAB4-A0A3-0D8692ED27AD}"/>
+              </a:ext>
+            </a:extLst>
+          </p:cNvPr>
+          <p:cNvSpPr>
+            <a:spLocks noGrp="1"/>
+          </p:cNvSpPr>
+          <p:nvPr>
+            <p:ph idx="1"/>
+          </p:nvPr>
+        </p:nvSpPr>
+        <p:spPr/>
+        <p:txBody>
+          <a:bodyPr/>
+          <a:lstStyle/>
+          <a:p>
+            <a:r>
+              <a:rPr lang="en-US" dirty="0"/>
+              <a:t>a. Singleton</a:t>
+            </a:r>
+          </a:p>
+          <a:p>
+            <a:r>
+              <a:rPr lang="en-US" dirty="0"/>
+              <a:t>b. Prototype</a:t>
+            </a:r>
+          </a:p>
+          <a:p>
+            <a:r>
+              <a:rPr lang="en-US" dirty="0"/>
+              <a:t>c. Request</a:t>
+            </a:r>
+          </a:p>
+          <a:p>
+            <a:r>
+              <a:rPr lang="en-US" dirty="0"/>
+              <a:t>d. Session</a:t>
+            </a:r>
+          </a:p>
+        </p:txBody>
+      </p:sp>
+    </p:spTree>
+    <p:extLst>
+      <p:ext uri="{BB962C8B-B14F-4D97-AF65-F5344CB8AC3E}">
+        <p14:creationId xmlns:p14="http://schemas.microsoft.com/office/powerpoint/2010/main" val="3663334863"/>
+      </p:ext>
+    </p:extLst>
+  </p:cSld>
+  <p:clrMapOvr>
+    <a:masterClrMapping/>
+  </p:clrMapOvr>
+</p:sld>
+</file>
+
+<file path=ppt/slides/slide35.xml><?xml version="1.0" encoding="utf-8"?>
+<p:sld xmlns:a="http://schemas.openxmlformats.org/drawingml/2006/main" xmlns:r="http://schemas.openxmlformats.org/officeDocument/2006/relationships" xmlns:p="http://schemas.openxmlformats.org/presentationml/2006/main">
+  <p:cSld>
+    <p:spTree>
+      <p:nvGrpSpPr>
+        <p:cNvPr id="1" name=""/>
+        <p:cNvGrpSpPr/>
+        <p:nvPr/>
+      </p:nvGrpSpPr>
+      <p:grpSpPr>
+        <a:xfrm>
+          <a:off x="0" y="0"/>
+          <a:ext cx="0" cy="0"/>
+          <a:chOff x="0" y="0"/>
+          <a:chExt cx="0" cy="0"/>
+        </a:xfrm>
+      </p:grpSpPr>
+      <p:sp>
+        <p:nvSpPr>
+          <p:cNvPr id="2" name="Title 1">
+            <a:extLst>
+              <a:ext uri="{FF2B5EF4-FFF2-40B4-BE49-F238E27FC236}">
+                <a16:creationId xmlns:a16="http://schemas.microsoft.com/office/drawing/2014/main" id="{112032EE-A733-3310-A538-B54BC41671C9}"/>
+              </a:ext>
+            </a:extLst>
+          </p:cNvPr>
+          <p:cNvSpPr>
+            <a:spLocks noGrp="1"/>
+          </p:cNvSpPr>
+          <p:nvPr>
+            <p:ph type="title"/>
+          </p:nvPr>
+        </p:nvSpPr>
+        <p:spPr/>
+        <p:txBody>
+          <a:bodyPr/>
+          <a:lstStyle/>
+          <a:p>
+            <a:r>
+              <a:rPr lang="en-US" dirty="0"/>
+              <a:t>How can you define a Spring bean in a Java configuration class?</a:t>
+            </a:r>
+          </a:p>
+        </p:txBody>
+      </p:sp>
+      <p:sp>
+        <p:nvSpPr>
+          <p:cNvPr id="3" name="Content Placeholder 2">
+            <a:extLst>
+              <a:ext uri="{FF2B5EF4-FFF2-40B4-BE49-F238E27FC236}">
+                <a16:creationId xmlns:a16="http://schemas.microsoft.com/office/drawing/2014/main" id="{60653864-B26B-8E6A-F92C-1DC315E49A30}"/>
+              </a:ext>
+            </a:extLst>
+          </p:cNvPr>
+          <p:cNvSpPr>
+            <a:spLocks noGrp="1"/>
+          </p:cNvSpPr>
+          <p:nvPr>
+            <p:ph idx="1"/>
+          </p:nvPr>
+        </p:nvSpPr>
+        <p:spPr/>
+        <p:txBody>
+          <a:bodyPr/>
+          <a:lstStyle/>
+          <a:p>
+            <a:r>
+              <a:rPr lang="en-US" dirty="0"/>
+              <a:t>a. Using the @Bean annotation within a method</a:t>
+            </a:r>
+          </a:p>
+          <a:p>
+            <a:r>
+              <a:rPr lang="en-US" dirty="0"/>
+              <a:t>b. Using the @Component annotation at the class level</a:t>
+            </a:r>
+          </a:p>
+          <a:p>
+            <a:r>
+              <a:rPr lang="en-US" dirty="0"/>
+              <a:t>c. Using the @Service annotation at the class level</a:t>
+            </a:r>
+          </a:p>
+          <a:p>
+            <a:r>
+              <a:rPr lang="en-US" dirty="0"/>
+              <a:t>d. All of the above</a:t>
+            </a:r>
+          </a:p>
+        </p:txBody>
+      </p:sp>
+    </p:spTree>
+    <p:extLst>
+      <p:ext uri="{BB962C8B-B14F-4D97-AF65-F5344CB8AC3E}">
+        <p14:creationId xmlns:p14="http://schemas.microsoft.com/office/powerpoint/2010/main" val="3317904008"/>
+      </p:ext>
+    </p:extLst>
+  </p:cSld>
+  <p:clrMapOvr>
+    <a:masterClrMapping/>
+  </p:clrMapOvr>
+</p:sld>
+</file>
+
+<file path=ppt/slides/slide36.xml><?xml version="1.0" encoding="utf-8"?>
+<p:sld xmlns:a="http://schemas.openxmlformats.org/drawingml/2006/main" xmlns:r="http://schemas.openxmlformats.org/officeDocument/2006/relationships" xmlns:p="http://schemas.openxmlformats.org/presentationml/2006/main">
+  <p:cSld>
+    <p:spTree>
+      <p:nvGrpSpPr>
+        <p:cNvPr id="1" name=""/>
+        <p:cNvGrpSpPr/>
+        <p:nvPr/>
+      </p:nvGrpSpPr>
+      <p:grpSpPr>
+        <a:xfrm>
+          <a:off x="0" y="0"/>
+          <a:ext cx="0" cy="0"/>
+          <a:chOff x="0" y="0"/>
+          <a:chExt cx="0" cy="0"/>
+        </a:xfrm>
+      </p:grpSpPr>
+      <p:sp>
+        <p:nvSpPr>
+          <p:cNvPr id="2" name="Title 1">
+            <a:extLst>
+              <a:ext uri="{FF2B5EF4-FFF2-40B4-BE49-F238E27FC236}">
+                <a16:creationId xmlns:a16="http://schemas.microsoft.com/office/drawing/2014/main" id="{193413D9-9C13-2E9F-4231-FECA411D8800}"/>
+              </a:ext>
+            </a:extLst>
+          </p:cNvPr>
+          <p:cNvSpPr>
+            <a:spLocks noGrp="1"/>
+          </p:cNvSpPr>
+          <p:nvPr>
+            <p:ph type="title"/>
+          </p:nvPr>
+        </p:nvSpPr>
+        <p:spPr/>
+        <p:txBody>
+          <a:bodyPr/>
+          <a:lstStyle/>
+          <a:p>
+            <a:r>
+              <a:rPr lang="en-US" dirty="0"/>
+              <a:t>What is Dependency Injection in Spring?</a:t>
+            </a:r>
+          </a:p>
+        </p:txBody>
+      </p:sp>
+      <p:sp>
+        <p:nvSpPr>
+          <p:cNvPr id="3" name="Content Placeholder 2">
+            <a:extLst>
+              <a:ext uri="{FF2B5EF4-FFF2-40B4-BE49-F238E27FC236}">
+                <a16:creationId xmlns:a16="http://schemas.microsoft.com/office/drawing/2014/main" id="{6DB88249-67DF-0ED2-767F-17F46AA0F75C}"/>
+              </a:ext>
+            </a:extLst>
+          </p:cNvPr>
+          <p:cNvSpPr>
+            <a:spLocks noGrp="1"/>
+          </p:cNvSpPr>
+          <p:nvPr>
+            <p:ph idx="1"/>
+          </p:nvPr>
+        </p:nvSpPr>
+        <p:spPr/>
+        <p:txBody>
+          <a:bodyPr/>
+          <a:lstStyle/>
+          <a:p>
+            <a:r>
+              <a:rPr lang="en-US" dirty="0"/>
+              <a:t>a. A design pattern used to remove dependencies between classes</a:t>
+            </a:r>
+          </a:p>
+          <a:p>
+            <a:r>
+              <a:rPr lang="en-US" dirty="0"/>
+              <a:t>b. A mechanism for managing database connections</a:t>
+            </a:r>
+          </a:p>
+          <a:p>
+            <a:r>
+              <a:rPr lang="en-US" dirty="0"/>
+              <a:t>c. A way to handle HTTP requests</a:t>
+            </a:r>
+          </a:p>
+          <a:p>
+            <a:r>
+              <a:rPr lang="en-US" dirty="0"/>
+              <a:t>d. A design pattern that allows the removal of hard-coded dependencies and makes it possible to change them at runtime</a:t>
+            </a:r>
+          </a:p>
+        </p:txBody>
+      </p:sp>
+    </p:spTree>
+    <p:extLst>
+      <p:ext uri="{BB962C8B-B14F-4D97-AF65-F5344CB8AC3E}">
+        <p14:creationId xmlns:p14="http://schemas.microsoft.com/office/powerpoint/2010/main" val="3399554093"/>
+      </p:ext>
+    </p:extLst>
+  </p:cSld>
+  <p:clrMapOvr>
+    <a:masterClrMapping/>
+  </p:clrMapOvr>
+</p:sld>
+</file>
+
+<file path=ppt/slides/slide37.xml><?xml version="1.0" encoding="utf-8"?>
+<p:sld xmlns:a="http://schemas.openxmlformats.org/drawingml/2006/main" xmlns:r="http://schemas.openxmlformats.org/officeDocument/2006/relationships" xmlns:p="http://schemas.openxmlformats.org/presentationml/2006/main">
+  <p:cSld>
+    <p:spTree>
+      <p:nvGrpSpPr>
+        <p:cNvPr id="1" name=""/>
+        <p:cNvGrpSpPr/>
+        <p:nvPr/>
+      </p:nvGrpSpPr>
+      <p:grpSpPr>
+        <a:xfrm>
+          <a:off x="0" y="0"/>
+          <a:ext cx="0" cy="0"/>
+          <a:chOff x="0" y="0"/>
+          <a:chExt cx="0" cy="0"/>
+        </a:xfrm>
+      </p:grpSpPr>
+      <p:sp>
+        <p:nvSpPr>
+          <p:cNvPr id="2" name="Title 1">
+            <a:extLst>
+              <a:ext uri="{FF2B5EF4-FFF2-40B4-BE49-F238E27FC236}">
+                <a16:creationId xmlns:a16="http://schemas.microsoft.com/office/drawing/2014/main" id="{304C75FC-B394-9737-A397-BD363F20968B}"/>
+              </a:ext>
+            </a:extLst>
+          </p:cNvPr>
+          <p:cNvSpPr>
+            <a:spLocks noGrp="1"/>
+          </p:cNvSpPr>
+          <p:nvPr>
+            <p:ph type="title"/>
+          </p:nvPr>
+        </p:nvSpPr>
+        <p:spPr/>
+        <p:txBody>
+          <a:bodyPr/>
+          <a:lstStyle/>
+          <a:p>
+            <a:r>
+              <a:rPr lang="en-US" dirty="0"/>
+              <a:t>Which of the following is a type of Dependency Injection supported by Spring?</a:t>
+            </a:r>
+          </a:p>
+        </p:txBody>
+      </p:sp>
+      <p:sp>
+        <p:nvSpPr>
+          <p:cNvPr id="3" name="Content Placeholder 2">
+            <a:extLst>
+              <a:ext uri="{FF2B5EF4-FFF2-40B4-BE49-F238E27FC236}">
+                <a16:creationId xmlns:a16="http://schemas.microsoft.com/office/drawing/2014/main" id="{04298ADC-D5AF-B693-C3F1-06B9EAEE9009}"/>
+              </a:ext>
+            </a:extLst>
+          </p:cNvPr>
+          <p:cNvSpPr>
+            <a:spLocks noGrp="1"/>
+          </p:cNvSpPr>
+          <p:nvPr>
+            <p:ph idx="1"/>
+          </p:nvPr>
+        </p:nvSpPr>
+        <p:spPr/>
+        <p:txBody>
+          <a:bodyPr/>
+          <a:lstStyle/>
+          <a:p>
+            <a:r>
+              <a:rPr lang="en-US" dirty="0"/>
+              <a:t>a. Constructor Injection</a:t>
+            </a:r>
+          </a:p>
+          <a:p>
+            <a:r>
+              <a:rPr lang="en-US" dirty="0"/>
+              <a:t>b. Setter Injection</a:t>
+            </a:r>
+          </a:p>
+          <a:p>
+            <a:r>
+              <a:rPr lang="en-US" dirty="0"/>
+              <a:t>c. Field Injection</a:t>
+            </a:r>
+          </a:p>
+          <a:p>
+            <a:r>
+              <a:rPr lang="en-US" dirty="0"/>
+              <a:t>d. All of the above</a:t>
+            </a:r>
+          </a:p>
+        </p:txBody>
+      </p:sp>
+    </p:spTree>
+    <p:extLst>
+      <p:ext uri="{BB962C8B-B14F-4D97-AF65-F5344CB8AC3E}">
+        <p14:creationId xmlns:p14="http://schemas.microsoft.com/office/powerpoint/2010/main" val="2150231310"/>
+      </p:ext>
+    </p:extLst>
+  </p:cSld>
+  <p:clrMapOvr>
+    <a:masterClrMapping/>
+  </p:clrMapOvr>
+</p:sld>
+</file>
+
+<file path=ppt/slides/slide38.xml><?xml version="1.0" encoding="utf-8"?>
+<p:sld xmlns:a="http://schemas.openxmlformats.org/drawingml/2006/main" xmlns:r="http://schemas.openxmlformats.org/officeDocument/2006/relationships" xmlns:p="http://schemas.openxmlformats.org/presentationml/2006/main">
+  <p:cSld>
+    <p:spTree>
+      <p:nvGrpSpPr>
+        <p:cNvPr id="1" name=""/>
+        <p:cNvGrpSpPr/>
+        <p:nvPr/>
+      </p:nvGrpSpPr>
+      <p:grpSpPr>
+        <a:xfrm>
+          <a:off x="0" y="0"/>
+          <a:ext cx="0" cy="0"/>
+          <a:chOff x="0" y="0"/>
+          <a:chExt cx="0" cy="0"/>
+        </a:xfrm>
+      </p:grpSpPr>
+      <p:sp>
+        <p:nvSpPr>
+          <p:cNvPr id="2" name="Title 1">
+            <a:extLst>
+              <a:ext uri="{FF2B5EF4-FFF2-40B4-BE49-F238E27FC236}">
+                <a16:creationId xmlns:a16="http://schemas.microsoft.com/office/drawing/2014/main" id="{19A33AD2-B1BD-CD74-C83D-5C8D59E5D639}"/>
+              </a:ext>
+            </a:extLst>
+          </p:cNvPr>
+          <p:cNvSpPr>
+            <a:spLocks noGrp="1"/>
+          </p:cNvSpPr>
+          <p:nvPr>
+            <p:ph type="title"/>
+          </p:nvPr>
+        </p:nvSpPr>
+        <p:spPr/>
+        <p:txBody>
+          <a:bodyPr>
+            <a:normAutofit/>
+          </a:bodyPr>
+          <a:lstStyle/>
+          <a:p>
+            <a:r>
+              <a:rPr lang="en-US" sz="3600" dirty="0"/>
+              <a:t>What is the default behavior of the @Autowired annotation when multiple beans of the same type exist?</a:t>
+            </a:r>
+          </a:p>
+        </p:txBody>
+      </p:sp>
+      <p:sp>
+        <p:nvSpPr>
+          <p:cNvPr id="3" name="Content Placeholder 2">
+            <a:extLst>
+              <a:ext uri="{FF2B5EF4-FFF2-40B4-BE49-F238E27FC236}">
+                <a16:creationId xmlns:a16="http://schemas.microsoft.com/office/drawing/2014/main" id="{E022ED2F-8DC3-869C-EA07-123228CAB9AB}"/>
+              </a:ext>
+            </a:extLst>
+          </p:cNvPr>
+          <p:cNvSpPr>
+            <a:spLocks noGrp="1"/>
+          </p:cNvSpPr>
+          <p:nvPr>
+            <p:ph idx="1"/>
+          </p:nvPr>
+        </p:nvSpPr>
+        <p:spPr/>
+        <p:txBody>
+          <a:bodyPr/>
+          <a:lstStyle/>
+          <a:p>
+            <a:r>
+              <a:rPr lang="en-US" dirty="0"/>
+              <a:t>a. Spring will throw an exception</a:t>
+            </a:r>
+          </a:p>
+          <a:p>
+            <a:r>
+              <a:rPr lang="en-US" dirty="0"/>
+              <a:t>b. Spring will choose a random bean</a:t>
+            </a:r>
+          </a:p>
+          <a:p>
+            <a:r>
+              <a:rPr lang="en-US" dirty="0"/>
+              <a:t>c. Spring will throw a </a:t>
+            </a:r>
+            <a:r>
+              <a:rPr lang="en-US" dirty="0" err="1"/>
+              <a:t>NoUniqueBeanDefinitionException</a:t>
+            </a:r>
+            <a:endParaRPr lang="en-US" dirty="0"/>
+          </a:p>
+          <a:p>
+            <a:r>
+              <a:rPr lang="en-US" dirty="0"/>
+              <a:t>d. Spring will choose the first bean defined in the configuration</a:t>
+            </a:r>
+          </a:p>
+        </p:txBody>
+      </p:sp>
+    </p:spTree>
+    <p:extLst>
+      <p:ext uri="{BB962C8B-B14F-4D97-AF65-F5344CB8AC3E}">
+        <p14:creationId xmlns:p14="http://schemas.microsoft.com/office/powerpoint/2010/main" val="1720771723"/>
+      </p:ext>
+    </p:extLst>
+  </p:cSld>
+  <p:clrMapOvr>
+    <a:masterClrMapping/>
+  </p:clrMapOvr>
+</p:sld>
+</file>
+
+<file path=ppt/slides/slide39.xml><?xml version="1.0" encoding="utf-8"?>
+<p:sld xmlns:a="http://schemas.openxmlformats.org/drawingml/2006/main" xmlns:r="http://schemas.openxmlformats.org/officeDocument/2006/relationships" xmlns:p="http://schemas.openxmlformats.org/presentationml/2006/main">
+  <p:cSld>
+    <p:spTree>
+      <p:nvGrpSpPr>
+        <p:cNvPr id="1" name=""/>
+        <p:cNvGrpSpPr/>
+        <p:nvPr/>
+      </p:nvGrpSpPr>
+      <p:grpSpPr>
+        <a:xfrm>
+          <a:off x="0" y="0"/>
+          <a:ext cx="0" cy="0"/>
+          <a:chOff x="0" y="0"/>
+          <a:chExt cx="0" cy="0"/>
+        </a:xfrm>
+      </p:grpSpPr>
+      <p:sp>
+        <p:nvSpPr>
+          <p:cNvPr id="2" name="Title 1">
+            <a:extLst>
+              <a:ext uri="{FF2B5EF4-FFF2-40B4-BE49-F238E27FC236}">
+                <a16:creationId xmlns:a16="http://schemas.microsoft.com/office/drawing/2014/main" id="{D07D90EE-269A-4C8B-213F-6B68AA10CF89}"/>
+              </a:ext>
+            </a:extLst>
+          </p:cNvPr>
+          <p:cNvSpPr>
+            <a:spLocks noGrp="1"/>
+          </p:cNvSpPr>
+          <p:nvPr>
+            <p:ph type="title"/>
+          </p:nvPr>
+        </p:nvSpPr>
+        <p:spPr/>
+        <p:txBody>
+          <a:bodyPr>
+            <a:normAutofit fontScale="90000"/>
+          </a:bodyPr>
+          <a:lstStyle/>
+          <a:p>
+            <a:r>
+              <a:rPr lang="en-US" sz="4000" dirty="0"/>
+              <a:t>Which annotation can be used to specify the exact bean to inject when multiple beans of the same type are available?</a:t>
+            </a:r>
+            <a:br>
+              <a:rPr lang="en-US" dirty="0"/>
+            </a:br>
+            <a:endParaRPr lang="en-US" dirty="0"/>
+          </a:p>
+        </p:txBody>
+      </p:sp>
+      <p:sp>
+        <p:nvSpPr>
+          <p:cNvPr id="3" name="Content Placeholder 2">
+            <a:extLst>
+              <a:ext uri="{FF2B5EF4-FFF2-40B4-BE49-F238E27FC236}">
+                <a16:creationId xmlns:a16="http://schemas.microsoft.com/office/drawing/2014/main" id="{3FBABD41-F657-1CF9-4B68-1E26082017CE}"/>
+              </a:ext>
+            </a:extLst>
+          </p:cNvPr>
+          <p:cNvSpPr>
+            <a:spLocks noGrp="1"/>
+          </p:cNvSpPr>
+          <p:nvPr>
+            <p:ph idx="1"/>
+          </p:nvPr>
+        </p:nvSpPr>
+        <p:spPr/>
+        <p:txBody>
+          <a:bodyPr/>
+          <a:lstStyle/>
+          <a:p>
+            <a:r>
+              <a:rPr lang="en-US" dirty="0"/>
+              <a:t>a. @Qualifier</a:t>
+            </a:r>
+            <a:br>
+              <a:rPr lang="en-US" dirty="0"/>
+            </a:br>
+            <a:r>
+              <a:rPr lang="en-US" dirty="0"/>
+              <a:t>b. @Primary</a:t>
+            </a:r>
+            <a:br>
+              <a:rPr lang="en-US" dirty="0"/>
+            </a:br>
+            <a:r>
+              <a:rPr lang="en-US" dirty="0"/>
+              <a:t>c. @Resource</a:t>
+            </a:r>
+            <a:br>
+              <a:rPr lang="en-US" dirty="0"/>
+            </a:br>
+            <a:r>
+              <a:rPr lang="en-US" dirty="0"/>
+              <a:t>d. All of the above</a:t>
+            </a:r>
+          </a:p>
+        </p:txBody>
+      </p:sp>
+    </p:spTree>
+    <p:extLst>
+      <p:ext uri="{BB962C8B-B14F-4D97-AF65-F5344CB8AC3E}">
+        <p14:creationId xmlns:p14="http://schemas.microsoft.com/office/powerpoint/2010/main" val="510472908"/>
       </p:ext>
     </p:extLst>
   </p:cSld>
@@ -6529,6 +7393,534 @@
     <p:extLst>
       <p:ext uri="{BB962C8B-B14F-4D97-AF65-F5344CB8AC3E}">
         <p14:creationId xmlns:p14="http://schemas.microsoft.com/office/powerpoint/2010/main" val="3074477916"/>
+      </p:ext>
+    </p:extLst>
+  </p:cSld>
+  <p:clrMapOvr>
+    <a:masterClrMapping/>
+  </p:clrMapOvr>
+</p:sld>
+</file>
+
+<file path=ppt/slides/slide40.xml><?xml version="1.0" encoding="utf-8"?>
+<p:sld xmlns:a="http://schemas.openxmlformats.org/drawingml/2006/main" xmlns:r="http://schemas.openxmlformats.org/officeDocument/2006/relationships" xmlns:p="http://schemas.openxmlformats.org/presentationml/2006/main">
+  <p:cSld>
+    <p:spTree>
+      <p:nvGrpSpPr>
+        <p:cNvPr id="1" name=""/>
+        <p:cNvGrpSpPr/>
+        <p:nvPr/>
+      </p:nvGrpSpPr>
+      <p:grpSpPr>
+        <a:xfrm>
+          <a:off x="0" y="0"/>
+          <a:ext cx="0" cy="0"/>
+          <a:chOff x="0" y="0"/>
+          <a:chExt cx="0" cy="0"/>
+        </a:xfrm>
+      </p:grpSpPr>
+      <p:sp>
+        <p:nvSpPr>
+          <p:cNvPr id="2" name="Title 1">
+            <a:extLst>
+              <a:ext uri="{FF2B5EF4-FFF2-40B4-BE49-F238E27FC236}">
+                <a16:creationId xmlns:a16="http://schemas.microsoft.com/office/drawing/2014/main" id="{DBB54A55-04E3-0955-4FC6-D6743C3E8361}"/>
+              </a:ext>
+            </a:extLst>
+          </p:cNvPr>
+          <p:cNvSpPr>
+            <a:spLocks noGrp="1"/>
+          </p:cNvSpPr>
+          <p:nvPr>
+            <p:ph type="title"/>
+          </p:nvPr>
+        </p:nvSpPr>
+        <p:spPr/>
+        <p:txBody>
+          <a:bodyPr>
+            <a:normAutofit fontScale="90000"/>
+          </a:bodyPr>
+          <a:lstStyle/>
+          <a:p>
+            <a:r>
+              <a:rPr lang="en-US" dirty="0"/>
+              <a:t>How can you handle optional dependencies in Spring?</a:t>
+            </a:r>
+            <a:br>
+              <a:rPr lang="en-US" dirty="0"/>
+            </a:br>
+            <a:endParaRPr lang="en-US" dirty="0"/>
+          </a:p>
+        </p:txBody>
+      </p:sp>
+      <p:sp>
+        <p:nvSpPr>
+          <p:cNvPr id="3" name="Content Placeholder 2">
+            <a:extLst>
+              <a:ext uri="{FF2B5EF4-FFF2-40B4-BE49-F238E27FC236}">
+                <a16:creationId xmlns:a16="http://schemas.microsoft.com/office/drawing/2014/main" id="{BC8E794C-EE2F-1C77-D1B9-C59F768EB5CB}"/>
+              </a:ext>
+            </a:extLst>
+          </p:cNvPr>
+          <p:cNvSpPr>
+            <a:spLocks noGrp="1"/>
+          </p:cNvSpPr>
+          <p:nvPr>
+            <p:ph idx="1"/>
+          </p:nvPr>
+        </p:nvSpPr>
+        <p:spPr/>
+        <p:txBody>
+          <a:bodyPr/>
+          <a:lstStyle/>
+          <a:p>
+            <a:r>
+              <a:rPr lang="en-US" dirty="0"/>
+              <a:t>a. By using the @Optional annotation</a:t>
+            </a:r>
+          </a:p>
+          <a:p>
+            <a:r>
+              <a:rPr lang="en-US" dirty="0"/>
+              <a:t>b. By using the @Autowired(required = false) annotation</a:t>
+            </a:r>
+          </a:p>
+          <a:p>
+            <a:r>
+              <a:rPr lang="en-US" dirty="0"/>
+              <a:t>c. By using the @Nullable annotation</a:t>
+            </a:r>
+          </a:p>
+          <a:p>
+            <a:r>
+              <a:rPr lang="en-US" dirty="0"/>
+              <a:t>d. Both b and c</a:t>
+            </a:r>
+          </a:p>
+        </p:txBody>
+      </p:sp>
+    </p:spTree>
+    <p:extLst>
+      <p:ext uri="{BB962C8B-B14F-4D97-AF65-F5344CB8AC3E}">
+        <p14:creationId xmlns:p14="http://schemas.microsoft.com/office/powerpoint/2010/main" val="3719114197"/>
+      </p:ext>
+    </p:extLst>
+  </p:cSld>
+  <p:clrMapOvr>
+    <a:masterClrMapping/>
+  </p:clrMapOvr>
+</p:sld>
+</file>
+
+<file path=ppt/slides/slide41.xml><?xml version="1.0" encoding="utf-8"?>
+<p:sld xmlns:a="http://schemas.openxmlformats.org/drawingml/2006/main" xmlns:r="http://schemas.openxmlformats.org/officeDocument/2006/relationships" xmlns:p="http://schemas.openxmlformats.org/presentationml/2006/main">
+  <p:cSld>
+    <p:spTree>
+      <p:nvGrpSpPr>
+        <p:cNvPr id="1" name=""/>
+        <p:cNvGrpSpPr/>
+        <p:nvPr/>
+      </p:nvGrpSpPr>
+      <p:grpSpPr>
+        <a:xfrm>
+          <a:off x="0" y="0"/>
+          <a:ext cx="0" cy="0"/>
+          <a:chOff x="0" y="0"/>
+          <a:chExt cx="0" cy="0"/>
+        </a:xfrm>
+      </p:grpSpPr>
+      <p:sp>
+        <p:nvSpPr>
+          <p:cNvPr id="2" name="Title 1">
+            <a:extLst>
+              <a:ext uri="{FF2B5EF4-FFF2-40B4-BE49-F238E27FC236}">
+                <a16:creationId xmlns:a16="http://schemas.microsoft.com/office/drawing/2014/main" id="{0417CDA3-4A40-49AF-0ACD-82443F5239B5}"/>
+              </a:ext>
+            </a:extLst>
+          </p:cNvPr>
+          <p:cNvSpPr>
+            <a:spLocks noGrp="1"/>
+          </p:cNvSpPr>
+          <p:nvPr>
+            <p:ph type="title"/>
+          </p:nvPr>
+        </p:nvSpPr>
+        <p:spPr/>
+        <p:txBody>
+          <a:bodyPr/>
+          <a:lstStyle/>
+          <a:p>
+            <a:r>
+              <a:rPr lang="en-US" dirty="0"/>
+              <a:t>What is the purpose of the @Primary annotation in Spring?</a:t>
+            </a:r>
+          </a:p>
+        </p:txBody>
+      </p:sp>
+      <p:sp>
+        <p:nvSpPr>
+          <p:cNvPr id="3" name="Content Placeholder 2">
+            <a:extLst>
+              <a:ext uri="{FF2B5EF4-FFF2-40B4-BE49-F238E27FC236}">
+                <a16:creationId xmlns:a16="http://schemas.microsoft.com/office/drawing/2014/main" id="{FF233F15-56DF-4619-EAB0-4375788DB128}"/>
+              </a:ext>
+            </a:extLst>
+          </p:cNvPr>
+          <p:cNvSpPr>
+            <a:spLocks noGrp="1"/>
+          </p:cNvSpPr>
+          <p:nvPr>
+            <p:ph idx="1"/>
+          </p:nvPr>
+        </p:nvSpPr>
+        <p:spPr/>
+        <p:txBody>
+          <a:bodyPr/>
+          <a:lstStyle/>
+          <a:p>
+            <a:r>
+              <a:rPr lang="en-US" dirty="0"/>
+              <a:t>a. To inject the primary database connection</a:t>
+            </a:r>
+          </a:p>
+          <a:p>
+            <a:r>
+              <a:rPr lang="en-US" dirty="0"/>
+              <a:t>b. To set the primary HTTP request handler</a:t>
+            </a:r>
+          </a:p>
+          <a:p>
+            <a:r>
+              <a:rPr lang="en-US" dirty="0"/>
+              <a:t>c. To indicate which bean should be given preference when multiple beans of the same type exist</a:t>
+            </a:r>
+          </a:p>
+          <a:p>
+            <a:r>
+              <a:rPr lang="en-US" dirty="0"/>
+              <a:t>d. To mark a class as the primary Spring configuration</a:t>
+            </a:r>
+          </a:p>
+        </p:txBody>
+      </p:sp>
+    </p:spTree>
+    <p:extLst>
+      <p:ext uri="{BB962C8B-B14F-4D97-AF65-F5344CB8AC3E}">
+        <p14:creationId xmlns:p14="http://schemas.microsoft.com/office/powerpoint/2010/main" val="3530065698"/>
+      </p:ext>
+    </p:extLst>
+  </p:cSld>
+  <p:clrMapOvr>
+    <a:masterClrMapping/>
+  </p:clrMapOvr>
+</p:sld>
+</file>
+
+<file path=ppt/slides/slide42.xml><?xml version="1.0" encoding="utf-8"?>
+<p:sld xmlns:a="http://schemas.openxmlformats.org/drawingml/2006/main" xmlns:r="http://schemas.openxmlformats.org/officeDocument/2006/relationships" xmlns:p="http://schemas.openxmlformats.org/presentationml/2006/main">
+  <p:cSld>
+    <p:spTree>
+      <p:nvGrpSpPr>
+        <p:cNvPr id="1" name=""/>
+        <p:cNvGrpSpPr/>
+        <p:nvPr/>
+      </p:nvGrpSpPr>
+      <p:grpSpPr>
+        <a:xfrm>
+          <a:off x="0" y="0"/>
+          <a:ext cx="0" cy="0"/>
+          <a:chOff x="0" y="0"/>
+          <a:chExt cx="0" cy="0"/>
+        </a:xfrm>
+      </p:grpSpPr>
+      <p:sp>
+        <p:nvSpPr>
+          <p:cNvPr id="2" name="Title 1">
+            <a:extLst>
+              <a:ext uri="{FF2B5EF4-FFF2-40B4-BE49-F238E27FC236}">
+                <a16:creationId xmlns:a16="http://schemas.microsoft.com/office/drawing/2014/main" id="{B2BB5A00-D4FE-66F0-9A02-EF424EF014CD}"/>
+              </a:ext>
+            </a:extLst>
+          </p:cNvPr>
+          <p:cNvSpPr>
+            <a:spLocks noGrp="1"/>
+          </p:cNvSpPr>
+          <p:nvPr>
+            <p:ph type="title"/>
+          </p:nvPr>
+        </p:nvSpPr>
+        <p:spPr/>
+        <p:txBody>
+          <a:bodyPr>
+            <a:normAutofit/>
+          </a:bodyPr>
+          <a:lstStyle/>
+          <a:p>
+            <a:r>
+              <a:rPr lang="en-US" sz="3600" dirty="0"/>
+              <a:t>What is a cross-cutting concern in AOP?</a:t>
+            </a:r>
+          </a:p>
+        </p:txBody>
+      </p:sp>
+      <p:sp>
+        <p:nvSpPr>
+          <p:cNvPr id="3" name="Content Placeholder 2">
+            <a:extLst>
+              <a:ext uri="{FF2B5EF4-FFF2-40B4-BE49-F238E27FC236}">
+                <a16:creationId xmlns:a16="http://schemas.microsoft.com/office/drawing/2014/main" id="{8BA08D98-CC0D-173D-7A47-BEF0275449E4}"/>
+              </a:ext>
+            </a:extLst>
+          </p:cNvPr>
+          <p:cNvSpPr>
+            <a:spLocks noGrp="1"/>
+          </p:cNvSpPr>
+          <p:nvPr>
+            <p:ph idx="1"/>
+          </p:nvPr>
+        </p:nvSpPr>
+        <p:spPr/>
+        <p:txBody>
+          <a:bodyPr/>
+          <a:lstStyle/>
+          <a:p>
+            <a:r>
+              <a:rPr lang="en-US" dirty="0"/>
+              <a:t>a. A feature that affects the core functionality of an application</a:t>
+            </a:r>
+          </a:p>
+          <a:p>
+            <a:r>
+              <a:rPr lang="en-US" dirty="0"/>
+              <a:t>b. A feature that spans multiple points in an application</a:t>
+            </a:r>
+          </a:p>
+          <a:p>
+            <a:r>
+              <a:rPr lang="en-US" dirty="0"/>
+              <a:t>c. A feature that is not part of the business logic but is necessary for the application</a:t>
+            </a:r>
+          </a:p>
+          <a:p>
+            <a:r>
+              <a:rPr lang="en-US" dirty="0"/>
+              <a:t>d. Both b and c</a:t>
+            </a:r>
+          </a:p>
+        </p:txBody>
+      </p:sp>
+    </p:spTree>
+    <p:extLst>
+      <p:ext uri="{BB962C8B-B14F-4D97-AF65-F5344CB8AC3E}">
+        <p14:creationId xmlns:p14="http://schemas.microsoft.com/office/powerpoint/2010/main" val="580445926"/>
+      </p:ext>
+    </p:extLst>
+  </p:cSld>
+  <p:clrMapOvr>
+    <a:masterClrMapping/>
+  </p:clrMapOvr>
+</p:sld>
+</file>
+
+<file path=ppt/slides/slide43.xml><?xml version="1.0" encoding="utf-8"?>
+<p:sld xmlns:a="http://schemas.openxmlformats.org/drawingml/2006/main" xmlns:r="http://schemas.openxmlformats.org/officeDocument/2006/relationships" xmlns:p="http://schemas.openxmlformats.org/presentationml/2006/main">
+  <p:cSld>
+    <p:spTree>
+      <p:nvGrpSpPr>
+        <p:cNvPr id="1" name=""/>
+        <p:cNvGrpSpPr/>
+        <p:nvPr/>
+      </p:nvGrpSpPr>
+      <p:grpSpPr>
+        <a:xfrm>
+          <a:off x="0" y="0"/>
+          <a:ext cx="0" cy="0"/>
+          <a:chOff x="0" y="0"/>
+          <a:chExt cx="0" cy="0"/>
+        </a:xfrm>
+      </p:grpSpPr>
+      <p:sp>
+        <p:nvSpPr>
+          <p:cNvPr id="2" name="Title 1">
+            <a:extLst>
+              <a:ext uri="{FF2B5EF4-FFF2-40B4-BE49-F238E27FC236}">
+                <a16:creationId xmlns:a16="http://schemas.microsoft.com/office/drawing/2014/main" id="{A111C8D7-93F2-C3C3-E6A1-B70C63A4EFFF}"/>
+              </a:ext>
+            </a:extLst>
+          </p:cNvPr>
+          <p:cNvSpPr>
+            <a:spLocks noGrp="1"/>
+          </p:cNvSpPr>
+          <p:nvPr>
+            <p:ph type="title"/>
+          </p:nvPr>
+        </p:nvSpPr>
+        <p:spPr/>
+        <p:txBody>
+          <a:bodyPr/>
+          <a:lstStyle/>
+          <a:p>
+            <a:r>
+              <a:rPr lang="en-US" dirty="0"/>
+              <a:t>What is a join point in the context of AOP?</a:t>
+            </a:r>
+          </a:p>
+        </p:txBody>
+      </p:sp>
+      <p:sp>
+        <p:nvSpPr>
+          <p:cNvPr id="3" name="Content Placeholder 2">
+            <a:extLst>
+              <a:ext uri="{FF2B5EF4-FFF2-40B4-BE49-F238E27FC236}">
+                <a16:creationId xmlns:a16="http://schemas.microsoft.com/office/drawing/2014/main" id="{852DDB98-7539-0046-E509-A22ED3F39C18}"/>
+              </a:ext>
+            </a:extLst>
+          </p:cNvPr>
+          <p:cNvSpPr>
+            <a:spLocks noGrp="1"/>
+          </p:cNvSpPr>
+          <p:nvPr>
+            <p:ph idx="1"/>
+          </p:nvPr>
+        </p:nvSpPr>
+        <p:spPr/>
+        <p:txBody>
+          <a:bodyPr/>
+          <a:lstStyle/>
+          <a:p>
+            <a:r>
+              <a:rPr lang="en-US" dirty="0"/>
+              <a:t>a. A point in the execution of the application where the aspect can be applied</a:t>
+            </a:r>
+          </a:p>
+          <a:p>
+            <a:r>
+              <a:rPr lang="en-US" dirty="0"/>
+              <a:t>b. A method that has been advised</a:t>
+            </a:r>
+          </a:p>
+          <a:p>
+            <a:r>
+              <a:rPr lang="en-US" dirty="0"/>
+              <a:t>c. The result of applying an aspect</a:t>
+            </a:r>
+          </a:p>
+          <a:p>
+            <a:r>
+              <a:rPr lang="en-US" dirty="0"/>
+              <a:t>d. A method that throws an exception</a:t>
+            </a:r>
+          </a:p>
+        </p:txBody>
+      </p:sp>
+    </p:spTree>
+    <p:extLst>
+      <p:ext uri="{BB962C8B-B14F-4D97-AF65-F5344CB8AC3E}">
+        <p14:creationId xmlns:p14="http://schemas.microsoft.com/office/powerpoint/2010/main" val="2016540829"/>
+      </p:ext>
+    </p:extLst>
+  </p:cSld>
+  <p:clrMapOvr>
+    <a:masterClrMapping/>
+  </p:clrMapOvr>
+</p:sld>
+</file>
+
+<file path=ppt/slides/slide44.xml><?xml version="1.0" encoding="utf-8"?>
+<p:sld xmlns:a="http://schemas.openxmlformats.org/drawingml/2006/main" xmlns:r="http://schemas.openxmlformats.org/officeDocument/2006/relationships" xmlns:p="http://schemas.openxmlformats.org/presentationml/2006/main">
+  <p:cSld>
+    <p:spTree>
+      <p:nvGrpSpPr>
+        <p:cNvPr id="1" name=""/>
+        <p:cNvGrpSpPr/>
+        <p:nvPr/>
+      </p:nvGrpSpPr>
+      <p:grpSpPr>
+        <a:xfrm>
+          <a:off x="0" y="0"/>
+          <a:ext cx="0" cy="0"/>
+          <a:chOff x="0" y="0"/>
+          <a:chExt cx="0" cy="0"/>
+        </a:xfrm>
+      </p:grpSpPr>
+      <p:sp>
+        <p:nvSpPr>
+          <p:cNvPr id="2" name="Title 1">
+            <a:extLst>
+              <a:ext uri="{FF2B5EF4-FFF2-40B4-BE49-F238E27FC236}">
+                <a16:creationId xmlns:a16="http://schemas.microsoft.com/office/drawing/2014/main" id="{E78A42AF-4D7F-A129-2856-5A225594A2D5}"/>
+              </a:ext>
+            </a:extLst>
+          </p:cNvPr>
+          <p:cNvSpPr>
+            <a:spLocks noGrp="1"/>
+          </p:cNvSpPr>
+          <p:nvPr>
+            <p:ph type="title"/>
+          </p:nvPr>
+        </p:nvSpPr>
+        <p:spPr/>
+        <p:txBody>
+          <a:bodyPr/>
+          <a:lstStyle/>
+          <a:p>
+            <a:r>
+              <a:rPr lang="en-US" dirty="0"/>
+              <a:t> Which advice runs after the method execution regardless of its outcome?</a:t>
+            </a:r>
+          </a:p>
+        </p:txBody>
+      </p:sp>
+      <p:sp>
+        <p:nvSpPr>
+          <p:cNvPr id="3" name="Content Placeholder 2">
+            <a:extLst>
+              <a:ext uri="{FF2B5EF4-FFF2-40B4-BE49-F238E27FC236}">
+                <a16:creationId xmlns:a16="http://schemas.microsoft.com/office/drawing/2014/main" id="{078F75AC-0A13-7DD2-4DC9-05EA6E1A9835}"/>
+              </a:ext>
+            </a:extLst>
+          </p:cNvPr>
+          <p:cNvSpPr>
+            <a:spLocks noGrp="1"/>
+          </p:cNvSpPr>
+          <p:nvPr>
+            <p:ph idx="1"/>
+          </p:nvPr>
+        </p:nvSpPr>
+        <p:spPr/>
+        <p:txBody>
+          <a:bodyPr/>
+          <a:lstStyle/>
+          <a:p>
+            <a:r>
+              <a:rPr lang="en-US" dirty="0"/>
+              <a:t>a. Before advice</a:t>
+            </a:r>
+          </a:p>
+          <a:p>
+            <a:r>
+              <a:rPr lang="en-US" dirty="0"/>
+              <a:t>b. After returning advice</a:t>
+            </a:r>
+          </a:p>
+          <a:p>
+            <a:r>
+              <a:rPr lang="en-US" dirty="0"/>
+              <a:t>c. After throwing advice</a:t>
+            </a:r>
+          </a:p>
+          <a:p>
+            <a:r>
+              <a:rPr lang="en-US" dirty="0"/>
+              <a:t>d. After (finally) advice</a:t>
+            </a:r>
+          </a:p>
+        </p:txBody>
+      </p:sp>
+    </p:spTree>
+    <p:extLst>
+      <p:ext uri="{BB962C8B-B14F-4D97-AF65-F5344CB8AC3E}">
+        <p14:creationId xmlns:p14="http://schemas.microsoft.com/office/powerpoint/2010/main" val="1907254688"/>
       </p:ext>
     </p:extLst>
   </p:cSld>
